--- a/Manuscript/lcsm.pptx
+++ b/Manuscript/lcsm.pptx
@@ -6,8 +6,6 @@
   </p:sldMasterIdLst>
   <p:sldIdLst>
     <p:sldId id="256" r:id="rId2"/>
-    <p:sldId id="257" r:id="rId3"/>
-    <p:sldId id="258" r:id="rId4"/>
   </p:sldIdLst>
   <p:sldSz cx="12192000" cy="6858000"/>
   <p:notesSz cx="6858000" cy="9144000"/>
@@ -261,7 +259,7 @@
           <a:p>
             <a:fld id="{E8A9D39D-4A3B-A24C-929C-33BF4E000580}" type="datetimeFigureOut">
               <a:rPr lang="de-DE" smtClean="0"/>
-              <a:t>23.11.22</a:t>
+              <a:t>09.08.23</a:t>
             </a:fld>
             <a:endParaRPr lang="de-DE"/>
           </a:p>
@@ -459,7 +457,7 @@
           <a:p>
             <a:fld id="{E8A9D39D-4A3B-A24C-929C-33BF4E000580}" type="datetimeFigureOut">
               <a:rPr lang="de-DE" smtClean="0"/>
-              <a:t>23.11.22</a:t>
+              <a:t>09.08.23</a:t>
             </a:fld>
             <a:endParaRPr lang="de-DE"/>
           </a:p>
@@ -667,7 +665,7 @@
           <a:p>
             <a:fld id="{E8A9D39D-4A3B-A24C-929C-33BF4E000580}" type="datetimeFigureOut">
               <a:rPr lang="de-DE" smtClean="0"/>
-              <a:t>23.11.22</a:t>
+              <a:t>09.08.23</a:t>
             </a:fld>
             <a:endParaRPr lang="de-DE"/>
           </a:p>
@@ -865,7 +863,7 @@
           <a:p>
             <a:fld id="{E8A9D39D-4A3B-A24C-929C-33BF4E000580}" type="datetimeFigureOut">
               <a:rPr lang="de-DE" smtClean="0"/>
-              <a:t>23.11.22</a:t>
+              <a:t>09.08.23</a:t>
             </a:fld>
             <a:endParaRPr lang="de-DE"/>
           </a:p>
@@ -1140,7 +1138,7 @@
           <a:p>
             <a:fld id="{E8A9D39D-4A3B-A24C-929C-33BF4E000580}" type="datetimeFigureOut">
               <a:rPr lang="de-DE" smtClean="0"/>
-              <a:t>23.11.22</a:t>
+              <a:t>09.08.23</a:t>
             </a:fld>
             <a:endParaRPr lang="de-DE"/>
           </a:p>
@@ -1405,7 +1403,7 @@
           <a:p>
             <a:fld id="{E8A9D39D-4A3B-A24C-929C-33BF4E000580}" type="datetimeFigureOut">
               <a:rPr lang="de-DE" smtClean="0"/>
-              <a:t>23.11.22</a:t>
+              <a:t>09.08.23</a:t>
             </a:fld>
             <a:endParaRPr lang="de-DE"/>
           </a:p>
@@ -1817,7 +1815,7 @@
           <a:p>
             <a:fld id="{E8A9D39D-4A3B-A24C-929C-33BF4E000580}" type="datetimeFigureOut">
               <a:rPr lang="de-DE" smtClean="0"/>
-              <a:t>23.11.22</a:t>
+              <a:t>09.08.23</a:t>
             </a:fld>
             <a:endParaRPr lang="de-DE"/>
           </a:p>
@@ -1958,7 +1956,7 @@
           <a:p>
             <a:fld id="{E8A9D39D-4A3B-A24C-929C-33BF4E000580}" type="datetimeFigureOut">
               <a:rPr lang="de-DE" smtClean="0"/>
-              <a:t>23.11.22</a:t>
+              <a:t>09.08.23</a:t>
             </a:fld>
             <a:endParaRPr lang="de-DE"/>
           </a:p>
@@ -2071,7 +2069,7 @@
           <a:p>
             <a:fld id="{E8A9D39D-4A3B-A24C-929C-33BF4E000580}" type="datetimeFigureOut">
               <a:rPr lang="de-DE" smtClean="0"/>
-              <a:t>23.11.22</a:t>
+              <a:t>09.08.23</a:t>
             </a:fld>
             <a:endParaRPr lang="de-DE"/>
           </a:p>
@@ -2382,7 +2380,7 @@
           <a:p>
             <a:fld id="{E8A9D39D-4A3B-A24C-929C-33BF4E000580}" type="datetimeFigureOut">
               <a:rPr lang="de-DE" smtClean="0"/>
-              <a:t>23.11.22</a:t>
+              <a:t>09.08.23</a:t>
             </a:fld>
             <a:endParaRPr lang="de-DE"/>
           </a:p>
@@ -2670,7 +2668,7 @@
           <a:p>
             <a:fld id="{E8A9D39D-4A3B-A24C-929C-33BF4E000580}" type="datetimeFigureOut">
               <a:rPr lang="de-DE" smtClean="0"/>
-              <a:t>23.11.22</a:t>
+              <a:t>09.08.23</a:t>
             </a:fld>
             <a:endParaRPr lang="de-DE"/>
           </a:p>
@@ -2911,7 +2909,7 @@
           <a:p>
             <a:fld id="{E8A9D39D-4A3B-A24C-929C-33BF4E000580}" type="datetimeFigureOut">
               <a:rPr lang="de-DE" smtClean="0"/>
-              <a:t>23.11.22</a:t>
+              <a:t>09.08.23</a:t>
             </a:fld>
             <a:endParaRPr lang="de-DE"/>
           </a:p>
@@ -6367,4666 +6365,6 @@
 </p:sld>
 </file>
 
-<file path=ppt/slides/slide2.xml><?xml version="1.0" encoding="utf-8"?>
-<p:sld xmlns:a="http://schemas.openxmlformats.org/drawingml/2006/main" xmlns:r="http://schemas.openxmlformats.org/officeDocument/2006/relationships" xmlns:p="http://schemas.openxmlformats.org/presentationml/2006/main">
-  <p:cSld>
-    <p:spTree>
-      <p:nvGrpSpPr>
-        <p:cNvPr id="1" name=""/>
-        <p:cNvGrpSpPr/>
-        <p:nvPr/>
-      </p:nvGrpSpPr>
-      <p:grpSpPr>
-        <a:xfrm>
-          <a:off x="0" y="0"/>
-          <a:ext cx="0" cy="0"/>
-          <a:chOff x="0" y="0"/>
-          <a:chExt cx="0" cy="0"/>
-        </a:xfrm>
-      </p:grpSpPr>
-      <p:sp>
-        <p:nvSpPr>
-          <p:cNvPr id="4" name="Rechteck 3">
-            <a:extLst>
-              <a:ext uri="{FF2B5EF4-FFF2-40B4-BE49-F238E27FC236}">
-                <a16:creationId xmlns:a16="http://schemas.microsoft.com/office/drawing/2014/main" id="{B4FE0D6C-C99B-9758-8017-E76DBE10AE5D}"/>
-              </a:ext>
-            </a:extLst>
-          </p:cNvPr>
-          <p:cNvSpPr/>
-          <p:nvPr/>
-        </p:nvSpPr>
-        <p:spPr>
-          <a:xfrm>
-            <a:off x="7419035" y="317967"/>
-            <a:ext cx="914400" cy="914400"/>
-          </a:xfrm>
-          <a:prstGeom prst="rect">
-            <a:avLst/>
-          </a:prstGeom>
-          <a:noFill/>
-          <a:ln>
-            <a:solidFill>
-              <a:schemeClr val="tx1"/>
-            </a:solidFill>
-          </a:ln>
-        </p:spPr>
-        <p:style>
-          <a:lnRef idx="2">
-            <a:schemeClr val="accent1">
-              <a:shade val="50000"/>
-            </a:schemeClr>
-          </a:lnRef>
-          <a:fillRef idx="1">
-            <a:schemeClr val="accent1"/>
-          </a:fillRef>
-          <a:effectRef idx="0">
-            <a:schemeClr val="accent1"/>
-          </a:effectRef>
-          <a:fontRef idx="minor">
-            <a:schemeClr val="lt1"/>
-          </a:fontRef>
-        </p:style>
-        <p:txBody>
-          <a:bodyPr wrap="none" rtlCol="0" anchor="ctr"/>
-          <a:lstStyle/>
-          <a:p>
-            <a:pPr algn="ctr"/>
-            <a:r>
-              <a:rPr lang="de-DE" sz="1400" dirty="0">
-                <a:solidFill>
-                  <a:schemeClr val="tx1"/>
-                </a:solidFill>
-                <a:latin typeface="Arial" panose="020B0604020202020204" pitchFamily="34" charset="0"/>
-                <a:cs typeface="Arial" panose="020B0604020202020204" pitchFamily="34" charset="0"/>
-              </a:rPr>
-              <a:t>𝛥GRD</a:t>
-            </a:r>
-          </a:p>
-        </p:txBody>
-      </p:sp>
-      <p:sp>
-        <p:nvSpPr>
-          <p:cNvPr id="5" name="Oval 4">
-            <a:extLst>
-              <a:ext uri="{FF2B5EF4-FFF2-40B4-BE49-F238E27FC236}">
-                <a16:creationId xmlns:a16="http://schemas.microsoft.com/office/drawing/2014/main" id="{CA514815-0313-272F-6348-3B22A170A9F4}"/>
-              </a:ext>
-            </a:extLst>
-          </p:cNvPr>
-          <p:cNvSpPr/>
-          <p:nvPr/>
-        </p:nvSpPr>
-        <p:spPr>
-          <a:xfrm>
-            <a:off x="3858567" y="5599444"/>
-            <a:ext cx="914400" cy="914400"/>
-          </a:xfrm>
-          <a:prstGeom prst="ellipse">
-            <a:avLst/>
-          </a:prstGeom>
-          <a:noFill/>
-          <a:ln>
-            <a:solidFill>
-              <a:schemeClr val="tx1"/>
-            </a:solidFill>
-          </a:ln>
-        </p:spPr>
-        <p:style>
-          <a:lnRef idx="2">
-            <a:schemeClr val="accent1">
-              <a:shade val="50000"/>
-            </a:schemeClr>
-          </a:lnRef>
-          <a:fillRef idx="1">
-            <a:schemeClr val="accent1"/>
-          </a:fillRef>
-          <a:effectRef idx="0">
-            <a:schemeClr val="accent1"/>
-          </a:effectRef>
-          <a:fontRef idx="minor">
-            <a:schemeClr val="lt1"/>
-          </a:fontRef>
-        </p:style>
-        <p:txBody>
-          <a:bodyPr wrap="none" rtlCol="0" anchor="ctr"/>
-          <a:lstStyle/>
-          <a:p>
-            <a:pPr algn="ctr"/>
-            <a:r>
-              <a:rPr lang="de-DE" sz="1400" dirty="0">
-                <a:solidFill>
-                  <a:schemeClr val="tx1"/>
-                </a:solidFill>
-                <a:latin typeface="Arial" panose="020B0604020202020204" pitchFamily="34" charset="0"/>
-                <a:cs typeface="Arial" panose="020B0604020202020204" pitchFamily="34" charset="0"/>
-              </a:rPr>
-              <a:t>NFC1</a:t>
-            </a:r>
-          </a:p>
-        </p:txBody>
-      </p:sp>
-      <p:sp>
-        <p:nvSpPr>
-          <p:cNvPr id="6" name="Rechteck 5">
-            <a:extLst>
-              <a:ext uri="{FF2B5EF4-FFF2-40B4-BE49-F238E27FC236}">
-                <a16:creationId xmlns:a16="http://schemas.microsoft.com/office/drawing/2014/main" id="{848A769D-8C63-5B3B-E405-082F71F8C9F2}"/>
-              </a:ext>
-            </a:extLst>
-          </p:cNvPr>
-          <p:cNvSpPr/>
-          <p:nvPr/>
-        </p:nvSpPr>
-        <p:spPr>
-          <a:xfrm>
-            <a:off x="3858567" y="314086"/>
-            <a:ext cx="914400" cy="914400"/>
-          </a:xfrm>
-          <a:prstGeom prst="rect">
-            <a:avLst/>
-          </a:prstGeom>
-          <a:noFill/>
-          <a:ln>
-            <a:solidFill>
-              <a:schemeClr val="tx1"/>
-            </a:solidFill>
-          </a:ln>
-        </p:spPr>
-        <p:style>
-          <a:lnRef idx="2">
-            <a:schemeClr val="accent1">
-              <a:shade val="50000"/>
-            </a:schemeClr>
-          </a:lnRef>
-          <a:fillRef idx="1">
-            <a:schemeClr val="accent1"/>
-          </a:fillRef>
-          <a:effectRef idx="0">
-            <a:schemeClr val="accent1"/>
-          </a:effectRef>
-          <a:fontRef idx="minor">
-            <a:schemeClr val="lt1"/>
-          </a:fontRef>
-        </p:style>
-        <p:txBody>
-          <a:bodyPr wrap="none" rtlCol="0" anchor="ctr"/>
-          <a:lstStyle/>
-          <a:p>
-            <a:pPr algn="ctr"/>
-            <a:r>
-              <a:rPr lang="de-DE" sz="1400" dirty="0">
-                <a:solidFill>
-                  <a:schemeClr val="tx1"/>
-                </a:solidFill>
-                <a:latin typeface="Arial" panose="020B0604020202020204" pitchFamily="34" charset="0"/>
-                <a:cs typeface="Arial" panose="020B0604020202020204" pitchFamily="34" charset="0"/>
-              </a:rPr>
-              <a:t>GRD1</a:t>
-            </a:r>
-          </a:p>
-        </p:txBody>
-      </p:sp>
-      <p:sp>
-        <p:nvSpPr>
-          <p:cNvPr id="7" name="Oval 6">
-            <a:extLst>
-              <a:ext uri="{FF2B5EF4-FFF2-40B4-BE49-F238E27FC236}">
-                <a16:creationId xmlns:a16="http://schemas.microsoft.com/office/drawing/2014/main" id="{C912A616-1ABA-1A71-9AB5-CC8041829903}"/>
-              </a:ext>
-            </a:extLst>
-          </p:cNvPr>
-          <p:cNvSpPr/>
-          <p:nvPr/>
-        </p:nvSpPr>
-        <p:spPr>
-          <a:xfrm>
-            <a:off x="3858567" y="2428230"/>
-            <a:ext cx="914400" cy="914400"/>
-          </a:xfrm>
-          <a:prstGeom prst="ellipse">
-            <a:avLst/>
-          </a:prstGeom>
-          <a:noFill/>
-          <a:ln>
-            <a:solidFill>
-              <a:schemeClr val="tx1"/>
-            </a:solidFill>
-          </a:ln>
-        </p:spPr>
-        <p:style>
-          <a:lnRef idx="2">
-            <a:schemeClr val="accent1">
-              <a:shade val="50000"/>
-            </a:schemeClr>
-          </a:lnRef>
-          <a:fillRef idx="1">
-            <a:schemeClr val="accent1"/>
-          </a:fillRef>
-          <a:effectRef idx="0">
-            <a:schemeClr val="accent1"/>
-          </a:effectRef>
-          <a:fontRef idx="minor">
-            <a:schemeClr val="lt1"/>
-          </a:fontRef>
-        </p:style>
-        <p:txBody>
-          <a:bodyPr wrap="none" rtlCol="0" anchor="ctr"/>
-          <a:lstStyle/>
-          <a:p>
-            <a:pPr algn="ctr"/>
-            <a:r>
-              <a:rPr lang="de-DE" sz="1400" dirty="0">
-                <a:solidFill>
-                  <a:schemeClr val="tx1"/>
-                </a:solidFill>
-                <a:latin typeface="Arial" panose="020B0604020202020204" pitchFamily="34" charset="0"/>
-                <a:cs typeface="Arial" panose="020B0604020202020204" pitchFamily="34" charset="0"/>
-              </a:rPr>
-              <a:t>INT1</a:t>
-            </a:r>
-          </a:p>
-        </p:txBody>
-      </p:sp>
-      <p:sp>
-        <p:nvSpPr>
-          <p:cNvPr id="8" name="Oval 7">
-            <a:extLst>
-              <a:ext uri="{FF2B5EF4-FFF2-40B4-BE49-F238E27FC236}">
-                <a16:creationId xmlns:a16="http://schemas.microsoft.com/office/drawing/2014/main" id="{7423C239-6CCA-835C-5CF1-885B63EEEA93}"/>
-              </a:ext>
-            </a:extLst>
-          </p:cNvPr>
-          <p:cNvSpPr/>
-          <p:nvPr/>
-        </p:nvSpPr>
-        <p:spPr>
-          <a:xfrm>
-            <a:off x="3858567" y="4542374"/>
-            <a:ext cx="914400" cy="914400"/>
-          </a:xfrm>
-          <a:prstGeom prst="ellipse">
-            <a:avLst/>
-          </a:prstGeom>
-          <a:noFill/>
-          <a:ln>
-            <a:solidFill>
-              <a:schemeClr val="tx1"/>
-            </a:solidFill>
-          </a:ln>
-        </p:spPr>
-        <p:style>
-          <a:lnRef idx="2">
-            <a:schemeClr val="accent1">
-              <a:shade val="50000"/>
-            </a:schemeClr>
-          </a:lnRef>
-          <a:fillRef idx="1">
-            <a:schemeClr val="accent1"/>
-          </a:fillRef>
-          <a:effectRef idx="0">
-            <a:schemeClr val="accent1"/>
-          </a:effectRef>
-          <a:fontRef idx="minor">
-            <a:schemeClr val="lt1"/>
-          </a:fontRef>
-        </p:style>
-        <p:txBody>
-          <a:bodyPr wrap="none" rtlCol="0" anchor="ctr"/>
-          <a:lstStyle/>
-          <a:p>
-            <a:pPr algn="ctr"/>
-            <a:r>
-              <a:rPr lang="de-DE" sz="1400" dirty="0">
-                <a:solidFill>
-                  <a:schemeClr val="tx1"/>
-                </a:solidFill>
-                <a:latin typeface="Arial" panose="020B0604020202020204" pitchFamily="34" charset="0"/>
-                <a:cs typeface="Arial" panose="020B0604020202020204" pitchFamily="34" charset="0"/>
-              </a:rPr>
-              <a:t>FOF1</a:t>
-            </a:r>
-          </a:p>
-        </p:txBody>
-      </p:sp>
-      <p:sp>
-        <p:nvSpPr>
-          <p:cNvPr id="9" name="Oval 8">
-            <a:extLst>
-              <a:ext uri="{FF2B5EF4-FFF2-40B4-BE49-F238E27FC236}">
-                <a16:creationId xmlns:a16="http://schemas.microsoft.com/office/drawing/2014/main" id="{A6D44275-6F01-F431-691A-02AEA4B7A032}"/>
-              </a:ext>
-            </a:extLst>
-          </p:cNvPr>
-          <p:cNvSpPr/>
-          <p:nvPr/>
-        </p:nvSpPr>
-        <p:spPr>
-          <a:xfrm>
-            <a:off x="3858567" y="3485302"/>
-            <a:ext cx="914400" cy="914400"/>
-          </a:xfrm>
-          <a:prstGeom prst="ellipse">
-            <a:avLst/>
-          </a:prstGeom>
-          <a:noFill/>
-          <a:ln>
-            <a:solidFill>
-              <a:schemeClr val="tx1"/>
-            </a:solidFill>
-          </a:ln>
-        </p:spPr>
-        <p:style>
-          <a:lnRef idx="2">
-            <a:schemeClr val="accent1">
-              <a:shade val="50000"/>
-            </a:schemeClr>
-          </a:lnRef>
-          <a:fillRef idx="1">
-            <a:schemeClr val="accent1"/>
-          </a:fillRef>
-          <a:effectRef idx="0">
-            <a:schemeClr val="accent1"/>
-          </a:effectRef>
-          <a:fontRef idx="minor">
-            <a:schemeClr val="lt1"/>
-          </a:fontRef>
-        </p:style>
-        <p:txBody>
-          <a:bodyPr wrap="none" rtlCol="0" anchor="ctr"/>
-          <a:lstStyle/>
-          <a:p>
-            <a:pPr algn="ctr"/>
-            <a:r>
-              <a:rPr lang="de-DE" sz="1400" dirty="0">
-                <a:solidFill>
-                  <a:schemeClr val="tx1"/>
-                </a:solidFill>
-                <a:latin typeface="Arial" panose="020B0604020202020204" pitchFamily="34" charset="0"/>
-                <a:cs typeface="Arial" panose="020B0604020202020204" pitchFamily="34" charset="0"/>
-              </a:rPr>
-              <a:t>HFS1</a:t>
-            </a:r>
-          </a:p>
-        </p:txBody>
-      </p:sp>
-      <p:sp>
-        <p:nvSpPr>
-          <p:cNvPr id="10" name="Oval 9">
-            <a:extLst>
-              <a:ext uri="{FF2B5EF4-FFF2-40B4-BE49-F238E27FC236}">
-                <a16:creationId xmlns:a16="http://schemas.microsoft.com/office/drawing/2014/main" id="{A7296438-349C-4E77-6F22-90771BFF3C09}"/>
-              </a:ext>
-            </a:extLst>
-          </p:cNvPr>
-          <p:cNvSpPr/>
-          <p:nvPr/>
-        </p:nvSpPr>
-        <p:spPr>
-          <a:xfrm>
-            <a:off x="3858567" y="1371158"/>
-            <a:ext cx="914400" cy="914400"/>
-          </a:xfrm>
-          <a:prstGeom prst="ellipse">
-            <a:avLst/>
-          </a:prstGeom>
-          <a:noFill/>
-          <a:ln>
-            <a:solidFill>
-              <a:schemeClr val="tx1"/>
-            </a:solidFill>
-          </a:ln>
-        </p:spPr>
-        <p:style>
-          <a:lnRef idx="2">
-            <a:schemeClr val="accent1">
-              <a:shade val="50000"/>
-            </a:schemeClr>
-          </a:lnRef>
-          <a:fillRef idx="1">
-            <a:schemeClr val="accent1"/>
-          </a:fillRef>
-          <a:effectRef idx="0">
-            <a:schemeClr val="accent1"/>
-          </a:effectRef>
-          <a:fontRef idx="minor">
-            <a:schemeClr val="lt1"/>
-          </a:fontRef>
-        </p:style>
-        <p:txBody>
-          <a:bodyPr wrap="none" rtlCol="0" anchor="ctr"/>
-          <a:lstStyle/>
-          <a:p>
-            <a:pPr algn="ctr"/>
-            <a:r>
-              <a:rPr lang="de-DE" sz="1400" dirty="0">
-                <a:solidFill>
-                  <a:schemeClr val="tx1"/>
-                </a:solidFill>
-                <a:latin typeface="Arial" panose="020B0604020202020204" pitchFamily="34" charset="0"/>
-                <a:cs typeface="Arial" panose="020B0604020202020204" pitchFamily="34" charset="0"/>
-              </a:rPr>
-              <a:t>ASC1</a:t>
-            </a:r>
-          </a:p>
-        </p:txBody>
-      </p:sp>
-      <p:sp>
-        <p:nvSpPr>
-          <p:cNvPr id="11" name="Oval 10">
-            <a:extLst>
-              <a:ext uri="{FF2B5EF4-FFF2-40B4-BE49-F238E27FC236}">
-                <a16:creationId xmlns:a16="http://schemas.microsoft.com/office/drawing/2014/main" id="{C317620B-7DA6-83E4-21D4-F78CFDA48451}"/>
-              </a:ext>
-            </a:extLst>
-          </p:cNvPr>
-          <p:cNvSpPr/>
-          <p:nvPr/>
-        </p:nvSpPr>
-        <p:spPr>
-          <a:xfrm>
-            <a:off x="7419035" y="5599444"/>
-            <a:ext cx="914400" cy="914400"/>
-          </a:xfrm>
-          <a:prstGeom prst="ellipse">
-            <a:avLst/>
-          </a:prstGeom>
-          <a:noFill/>
-          <a:ln>
-            <a:solidFill>
-              <a:schemeClr val="tx1"/>
-            </a:solidFill>
-          </a:ln>
-        </p:spPr>
-        <p:style>
-          <a:lnRef idx="2">
-            <a:schemeClr val="accent1">
-              <a:shade val="50000"/>
-            </a:schemeClr>
-          </a:lnRef>
-          <a:fillRef idx="1">
-            <a:schemeClr val="accent1"/>
-          </a:fillRef>
-          <a:effectRef idx="0">
-            <a:schemeClr val="accent1"/>
-          </a:effectRef>
-          <a:fontRef idx="minor">
-            <a:schemeClr val="lt1"/>
-          </a:fontRef>
-        </p:style>
-        <p:txBody>
-          <a:bodyPr wrap="none" rtlCol="0" anchor="ctr"/>
-          <a:lstStyle/>
-          <a:p>
-            <a:pPr algn="ctr"/>
-            <a:r>
-              <a:rPr lang="de-DE" sz="1400" dirty="0">
-                <a:solidFill>
-                  <a:schemeClr val="tx1"/>
-                </a:solidFill>
-                <a:latin typeface="Arial" panose="020B0604020202020204" pitchFamily="34" charset="0"/>
-                <a:cs typeface="Arial" panose="020B0604020202020204" pitchFamily="34" charset="0"/>
-              </a:rPr>
-              <a:t>𝛥NFC</a:t>
-            </a:r>
-          </a:p>
-        </p:txBody>
-      </p:sp>
-      <p:sp>
-        <p:nvSpPr>
-          <p:cNvPr id="12" name="Oval 11">
-            <a:extLst>
-              <a:ext uri="{FF2B5EF4-FFF2-40B4-BE49-F238E27FC236}">
-                <a16:creationId xmlns:a16="http://schemas.microsoft.com/office/drawing/2014/main" id="{0B026D92-F68B-B0AA-643B-3F8932889591}"/>
-              </a:ext>
-            </a:extLst>
-          </p:cNvPr>
-          <p:cNvSpPr/>
-          <p:nvPr/>
-        </p:nvSpPr>
-        <p:spPr>
-          <a:xfrm>
-            <a:off x="7419035" y="2430557"/>
-            <a:ext cx="914400" cy="914400"/>
-          </a:xfrm>
-          <a:prstGeom prst="ellipse">
-            <a:avLst/>
-          </a:prstGeom>
-          <a:noFill/>
-          <a:ln>
-            <a:solidFill>
-              <a:schemeClr val="tx1"/>
-            </a:solidFill>
-          </a:ln>
-        </p:spPr>
-        <p:style>
-          <a:lnRef idx="2">
-            <a:schemeClr val="accent1">
-              <a:shade val="50000"/>
-            </a:schemeClr>
-          </a:lnRef>
-          <a:fillRef idx="1">
-            <a:schemeClr val="accent1"/>
-          </a:fillRef>
-          <a:effectRef idx="0">
-            <a:schemeClr val="accent1"/>
-          </a:effectRef>
-          <a:fontRef idx="minor">
-            <a:schemeClr val="lt1"/>
-          </a:fontRef>
-        </p:style>
-        <p:txBody>
-          <a:bodyPr wrap="none" rtlCol="0" anchor="ctr"/>
-          <a:lstStyle/>
-          <a:p>
-            <a:pPr algn="ctr"/>
-            <a:r>
-              <a:rPr lang="de-DE" sz="1400" dirty="0">
-                <a:solidFill>
-                  <a:schemeClr val="tx1"/>
-                </a:solidFill>
-                <a:latin typeface="Arial" panose="020B0604020202020204" pitchFamily="34" charset="0"/>
-                <a:cs typeface="Arial" panose="020B0604020202020204" pitchFamily="34" charset="0"/>
-              </a:rPr>
-              <a:t>𝛥INT</a:t>
-            </a:r>
-          </a:p>
-        </p:txBody>
-      </p:sp>
-      <p:sp>
-        <p:nvSpPr>
-          <p:cNvPr id="13" name="Oval 12">
-            <a:extLst>
-              <a:ext uri="{FF2B5EF4-FFF2-40B4-BE49-F238E27FC236}">
-                <a16:creationId xmlns:a16="http://schemas.microsoft.com/office/drawing/2014/main" id="{FA992BF0-6F7A-CBD2-016C-B11468BE7CB2}"/>
-              </a:ext>
-            </a:extLst>
-          </p:cNvPr>
-          <p:cNvSpPr/>
-          <p:nvPr/>
-        </p:nvSpPr>
-        <p:spPr>
-          <a:xfrm>
-            <a:off x="7419035" y="4543147"/>
-            <a:ext cx="914400" cy="914400"/>
-          </a:xfrm>
-          <a:prstGeom prst="ellipse">
-            <a:avLst/>
-          </a:prstGeom>
-          <a:noFill/>
-          <a:ln>
-            <a:solidFill>
-              <a:schemeClr val="tx1"/>
-            </a:solidFill>
-          </a:ln>
-        </p:spPr>
-        <p:style>
-          <a:lnRef idx="2">
-            <a:schemeClr val="accent1">
-              <a:shade val="50000"/>
-            </a:schemeClr>
-          </a:lnRef>
-          <a:fillRef idx="1">
-            <a:schemeClr val="accent1"/>
-          </a:fillRef>
-          <a:effectRef idx="0">
-            <a:schemeClr val="accent1"/>
-          </a:effectRef>
-          <a:fontRef idx="minor">
-            <a:schemeClr val="lt1"/>
-          </a:fontRef>
-        </p:style>
-        <p:txBody>
-          <a:bodyPr wrap="none" rtlCol="0" anchor="ctr"/>
-          <a:lstStyle/>
-          <a:p>
-            <a:pPr algn="ctr"/>
-            <a:r>
-              <a:rPr lang="de-DE" sz="1400" dirty="0">
-                <a:solidFill>
-                  <a:schemeClr val="tx1"/>
-                </a:solidFill>
-                <a:latin typeface="Arial" panose="020B0604020202020204" pitchFamily="34" charset="0"/>
-                <a:cs typeface="Arial" panose="020B0604020202020204" pitchFamily="34" charset="0"/>
-              </a:rPr>
-              <a:t>𝛥FOF</a:t>
-            </a:r>
-          </a:p>
-        </p:txBody>
-      </p:sp>
-      <p:sp>
-        <p:nvSpPr>
-          <p:cNvPr id="14" name="Oval 13">
-            <a:extLst>
-              <a:ext uri="{FF2B5EF4-FFF2-40B4-BE49-F238E27FC236}">
-                <a16:creationId xmlns:a16="http://schemas.microsoft.com/office/drawing/2014/main" id="{B06616A4-5043-6582-1F31-EEB8D288F09D}"/>
-              </a:ext>
-            </a:extLst>
-          </p:cNvPr>
-          <p:cNvSpPr/>
-          <p:nvPr/>
-        </p:nvSpPr>
-        <p:spPr>
-          <a:xfrm>
-            <a:off x="7419035" y="3486852"/>
-            <a:ext cx="914400" cy="914400"/>
-          </a:xfrm>
-          <a:prstGeom prst="ellipse">
-            <a:avLst/>
-          </a:prstGeom>
-          <a:noFill/>
-          <a:ln>
-            <a:solidFill>
-              <a:schemeClr val="tx1"/>
-            </a:solidFill>
-          </a:ln>
-        </p:spPr>
-        <p:style>
-          <a:lnRef idx="2">
-            <a:schemeClr val="accent1">
-              <a:shade val="50000"/>
-            </a:schemeClr>
-          </a:lnRef>
-          <a:fillRef idx="1">
-            <a:schemeClr val="accent1"/>
-          </a:fillRef>
-          <a:effectRef idx="0">
-            <a:schemeClr val="accent1"/>
-          </a:effectRef>
-          <a:fontRef idx="minor">
-            <a:schemeClr val="lt1"/>
-          </a:fontRef>
-        </p:style>
-        <p:txBody>
-          <a:bodyPr wrap="none" rtlCol="0" anchor="ctr"/>
-          <a:lstStyle/>
-          <a:p>
-            <a:pPr algn="ctr"/>
-            <a:r>
-              <a:rPr lang="de-DE" sz="1400" dirty="0">
-                <a:solidFill>
-                  <a:schemeClr val="tx1"/>
-                </a:solidFill>
-                <a:latin typeface="Arial" panose="020B0604020202020204" pitchFamily="34" charset="0"/>
-                <a:cs typeface="Arial" panose="020B0604020202020204" pitchFamily="34" charset="0"/>
-              </a:rPr>
-              <a:t>𝛥HFS</a:t>
-            </a:r>
-          </a:p>
-        </p:txBody>
-      </p:sp>
-      <p:sp>
-        <p:nvSpPr>
-          <p:cNvPr id="15" name="Oval 14">
-            <a:extLst>
-              <a:ext uri="{FF2B5EF4-FFF2-40B4-BE49-F238E27FC236}">
-                <a16:creationId xmlns:a16="http://schemas.microsoft.com/office/drawing/2014/main" id="{84BF5F2D-324C-9E95-DA22-7797B42F3D17}"/>
-              </a:ext>
-            </a:extLst>
-          </p:cNvPr>
-          <p:cNvSpPr/>
-          <p:nvPr/>
-        </p:nvSpPr>
-        <p:spPr>
-          <a:xfrm>
-            <a:off x="7419035" y="1374262"/>
-            <a:ext cx="914400" cy="914400"/>
-          </a:xfrm>
-          <a:prstGeom prst="ellipse">
-            <a:avLst/>
-          </a:prstGeom>
-          <a:noFill/>
-          <a:ln>
-            <a:solidFill>
-              <a:schemeClr val="tx1"/>
-            </a:solidFill>
-          </a:ln>
-        </p:spPr>
-        <p:style>
-          <a:lnRef idx="2">
-            <a:schemeClr val="accent1">
-              <a:shade val="50000"/>
-            </a:schemeClr>
-          </a:lnRef>
-          <a:fillRef idx="1">
-            <a:schemeClr val="accent1"/>
-          </a:fillRef>
-          <a:effectRef idx="0">
-            <a:schemeClr val="accent1"/>
-          </a:effectRef>
-          <a:fontRef idx="minor">
-            <a:schemeClr val="lt1"/>
-          </a:fontRef>
-        </p:style>
-        <p:txBody>
-          <a:bodyPr wrap="none" rtlCol="0" anchor="ctr"/>
-          <a:lstStyle/>
-          <a:p>
-            <a:pPr algn="ctr"/>
-            <a:r>
-              <a:rPr lang="de-DE" sz="1400" dirty="0">
-                <a:solidFill>
-                  <a:schemeClr val="tx1"/>
-                </a:solidFill>
-                <a:latin typeface="Arial" panose="020B0604020202020204" pitchFamily="34" charset="0"/>
-                <a:cs typeface="Arial" panose="020B0604020202020204" pitchFamily="34" charset="0"/>
-              </a:rPr>
-              <a:t>𝛥ASC</a:t>
-            </a:r>
-          </a:p>
-        </p:txBody>
-      </p:sp>
-      <p:cxnSp>
-        <p:nvCxnSpPr>
-          <p:cNvPr id="17" name="Gerade Verbindung mit Pfeil 16">
-            <a:extLst>
-              <a:ext uri="{FF2B5EF4-FFF2-40B4-BE49-F238E27FC236}">
-                <a16:creationId xmlns:a16="http://schemas.microsoft.com/office/drawing/2014/main" id="{344EF95E-DD14-AEA4-A83B-0DDBE47F6B1E}"/>
-              </a:ext>
-            </a:extLst>
-          </p:cNvPr>
-          <p:cNvCxnSpPr>
-            <a:stCxn id="10" idx="6"/>
-            <a:endCxn id="15" idx="2"/>
-          </p:cNvCxnSpPr>
-          <p:nvPr/>
-        </p:nvCxnSpPr>
-        <p:spPr>
-          <a:xfrm>
-            <a:off x="4772967" y="1828358"/>
-            <a:ext cx="2646068" cy="3104"/>
-          </a:xfrm>
-          <a:prstGeom prst="straightConnector1">
-            <a:avLst/>
-          </a:prstGeom>
-          <a:ln w="12700">
-            <a:solidFill>
-              <a:schemeClr val="tx1"/>
-            </a:solidFill>
-            <a:tailEnd type="triangle"/>
-          </a:ln>
-        </p:spPr>
-        <p:style>
-          <a:lnRef idx="1">
-            <a:schemeClr val="accent1"/>
-          </a:lnRef>
-          <a:fillRef idx="0">
-            <a:schemeClr val="accent1"/>
-          </a:fillRef>
-          <a:effectRef idx="0">
-            <a:schemeClr val="accent1"/>
-          </a:effectRef>
-          <a:fontRef idx="minor">
-            <a:schemeClr val="tx1"/>
-          </a:fontRef>
-        </p:style>
-      </p:cxnSp>
-      <p:cxnSp>
-        <p:nvCxnSpPr>
-          <p:cNvPr id="18" name="Gerade Verbindung mit Pfeil 17">
-            <a:extLst>
-              <a:ext uri="{FF2B5EF4-FFF2-40B4-BE49-F238E27FC236}">
-                <a16:creationId xmlns:a16="http://schemas.microsoft.com/office/drawing/2014/main" id="{39249922-BD99-E331-B097-60441B631817}"/>
-              </a:ext>
-            </a:extLst>
-          </p:cNvPr>
-          <p:cNvCxnSpPr>
-            <a:cxnSpLocks/>
-            <a:stCxn id="7" idx="7"/>
-            <a:endCxn id="4" idx="1"/>
-          </p:cNvCxnSpPr>
-          <p:nvPr/>
-        </p:nvCxnSpPr>
-        <p:spPr>
-          <a:xfrm flipV="1">
-            <a:off x="4639056" y="775167"/>
-            <a:ext cx="2779979" cy="1786974"/>
-          </a:xfrm>
-          <a:prstGeom prst="straightConnector1">
-            <a:avLst/>
-          </a:prstGeom>
-          <a:ln w="12700">
-            <a:solidFill>
-              <a:schemeClr val="tx1"/>
-            </a:solidFill>
-            <a:tailEnd type="triangle"/>
-          </a:ln>
-        </p:spPr>
-        <p:style>
-          <a:lnRef idx="1">
-            <a:schemeClr val="accent1"/>
-          </a:lnRef>
-          <a:fillRef idx="0">
-            <a:schemeClr val="accent1"/>
-          </a:fillRef>
-          <a:effectRef idx="0">
-            <a:schemeClr val="accent1"/>
-          </a:effectRef>
-          <a:fontRef idx="minor">
-            <a:schemeClr val="tx1"/>
-          </a:fontRef>
-        </p:style>
-      </p:cxnSp>
-      <p:cxnSp>
-        <p:nvCxnSpPr>
-          <p:cNvPr id="22" name="Gerade Verbindung mit Pfeil 21">
-            <a:extLst>
-              <a:ext uri="{FF2B5EF4-FFF2-40B4-BE49-F238E27FC236}">
-                <a16:creationId xmlns:a16="http://schemas.microsoft.com/office/drawing/2014/main" id="{E4B1DC72-CD83-B7E8-C4CE-39D02E20E248}"/>
-              </a:ext>
-            </a:extLst>
-          </p:cNvPr>
-          <p:cNvCxnSpPr>
-            <a:cxnSpLocks/>
-            <a:stCxn id="7" idx="6"/>
-            <a:endCxn id="12" idx="2"/>
-          </p:cNvCxnSpPr>
-          <p:nvPr/>
-        </p:nvCxnSpPr>
-        <p:spPr>
-          <a:xfrm>
-            <a:off x="4772967" y="2885430"/>
-            <a:ext cx="2646068" cy="2327"/>
-          </a:xfrm>
-          <a:prstGeom prst="straightConnector1">
-            <a:avLst/>
-          </a:prstGeom>
-          <a:ln w="12700">
-            <a:solidFill>
-              <a:schemeClr val="tx1"/>
-            </a:solidFill>
-            <a:tailEnd type="triangle"/>
-          </a:ln>
-        </p:spPr>
-        <p:style>
-          <a:lnRef idx="1">
-            <a:schemeClr val="accent1"/>
-          </a:lnRef>
-          <a:fillRef idx="0">
-            <a:schemeClr val="accent1"/>
-          </a:fillRef>
-          <a:effectRef idx="0">
-            <a:schemeClr val="accent1"/>
-          </a:effectRef>
-          <a:fontRef idx="minor">
-            <a:schemeClr val="tx1"/>
-          </a:fontRef>
-        </p:style>
-      </p:cxnSp>
-      <p:cxnSp>
-        <p:nvCxnSpPr>
-          <p:cNvPr id="25" name="Gerade Verbindung mit Pfeil 24">
-            <a:extLst>
-              <a:ext uri="{FF2B5EF4-FFF2-40B4-BE49-F238E27FC236}">
-                <a16:creationId xmlns:a16="http://schemas.microsoft.com/office/drawing/2014/main" id="{90614FB4-1BF3-A8E7-E646-5CBDE2DB0F07}"/>
-              </a:ext>
-            </a:extLst>
-          </p:cNvPr>
-          <p:cNvCxnSpPr>
-            <a:cxnSpLocks/>
-            <a:stCxn id="6" idx="3"/>
-            <a:endCxn id="4" idx="1"/>
-          </p:cNvCxnSpPr>
-          <p:nvPr/>
-        </p:nvCxnSpPr>
-        <p:spPr>
-          <a:xfrm>
-            <a:off x="4772967" y="771286"/>
-            <a:ext cx="2646068" cy="3881"/>
-          </a:xfrm>
-          <a:prstGeom prst="straightConnector1">
-            <a:avLst/>
-          </a:prstGeom>
-          <a:ln w="12700">
-            <a:solidFill>
-              <a:schemeClr val="tx1"/>
-            </a:solidFill>
-            <a:tailEnd type="triangle"/>
-          </a:ln>
-        </p:spPr>
-        <p:style>
-          <a:lnRef idx="1">
-            <a:schemeClr val="accent1"/>
-          </a:lnRef>
-          <a:fillRef idx="0">
-            <a:schemeClr val="accent1"/>
-          </a:fillRef>
-          <a:effectRef idx="0">
-            <a:schemeClr val="accent1"/>
-          </a:effectRef>
-          <a:fontRef idx="minor">
-            <a:schemeClr val="tx1"/>
-          </a:fontRef>
-        </p:style>
-      </p:cxnSp>
-      <p:cxnSp>
-        <p:nvCxnSpPr>
-          <p:cNvPr id="28" name="Gerade Verbindung mit Pfeil 27">
-            <a:extLst>
-              <a:ext uri="{FF2B5EF4-FFF2-40B4-BE49-F238E27FC236}">
-                <a16:creationId xmlns:a16="http://schemas.microsoft.com/office/drawing/2014/main" id="{C99285B2-6257-6428-AFA6-12C30C1B3023}"/>
-              </a:ext>
-            </a:extLst>
-          </p:cNvPr>
-          <p:cNvCxnSpPr>
-            <a:cxnSpLocks/>
-            <a:stCxn id="9" idx="6"/>
-            <a:endCxn id="14" idx="2"/>
-          </p:cNvCxnSpPr>
-          <p:nvPr/>
-        </p:nvCxnSpPr>
-        <p:spPr>
-          <a:xfrm>
-            <a:off x="4772967" y="3942502"/>
-            <a:ext cx="2646068" cy="1550"/>
-          </a:xfrm>
-          <a:prstGeom prst="straightConnector1">
-            <a:avLst/>
-          </a:prstGeom>
-          <a:ln w="12700">
-            <a:solidFill>
-              <a:schemeClr val="tx1"/>
-            </a:solidFill>
-            <a:tailEnd type="triangle"/>
-          </a:ln>
-        </p:spPr>
-        <p:style>
-          <a:lnRef idx="1">
-            <a:schemeClr val="accent1"/>
-          </a:lnRef>
-          <a:fillRef idx="0">
-            <a:schemeClr val="accent1"/>
-          </a:fillRef>
-          <a:effectRef idx="0">
-            <a:schemeClr val="accent1"/>
-          </a:effectRef>
-          <a:fontRef idx="minor">
-            <a:schemeClr val="tx1"/>
-          </a:fontRef>
-        </p:style>
-      </p:cxnSp>
-      <p:cxnSp>
-        <p:nvCxnSpPr>
-          <p:cNvPr id="31" name="Gerade Verbindung mit Pfeil 30">
-            <a:extLst>
-              <a:ext uri="{FF2B5EF4-FFF2-40B4-BE49-F238E27FC236}">
-                <a16:creationId xmlns:a16="http://schemas.microsoft.com/office/drawing/2014/main" id="{58EF607B-B690-427A-05AC-953674C6C914}"/>
-              </a:ext>
-            </a:extLst>
-          </p:cNvPr>
-          <p:cNvCxnSpPr>
-            <a:cxnSpLocks/>
-            <a:stCxn id="8" idx="6"/>
-            <a:endCxn id="13" idx="2"/>
-          </p:cNvCxnSpPr>
-          <p:nvPr/>
-        </p:nvCxnSpPr>
-        <p:spPr>
-          <a:xfrm>
-            <a:off x="4772967" y="4999574"/>
-            <a:ext cx="2646068" cy="773"/>
-          </a:xfrm>
-          <a:prstGeom prst="straightConnector1">
-            <a:avLst/>
-          </a:prstGeom>
-          <a:ln w="12700">
-            <a:solidFill>
-              <a:schemeClr val="tx1"/>
-            </a:solidFill>
-            <a:tailEnd type="triangle"/>
-          </a:ln>
-        </p:spPr>
-        <p:style>
-          <a:lnRef idx="1">
-            <a:schemeClr val="accent1"/>
-          </a:lnRef>
-          <a:fillRef idx="0">
-            <a:schemeClr val="accent1"/>
-          </a:fillRef>
-          <a:effectRef idx="0">
-            <a:schemeClr val="accent1"/>
-          </a:effectRef>
-          <a:fontRef idx="minor">
-            <a:schemeClr val="tx1"/>
-          </a:fontRef>
-        </p:style>
-      </p:cxnSp>
-      <p:cxnSp>
-        <p:nvCxnSpPr>
-          <p:cNvPr id="34" name="Gerade Verbindung mit Pfeil 33">
-            <a:extLst>
-              <a:ext uri="{FF2B5EF4-FFF2-40B4-BE49-F238E27FC236}">
-                <a16:creationId xmlns:a16="http://schemas.microsoft.com/office/drawing/2014/main" id="{DC342486-B3B9-4A60-F20B-1F61F6136805}"/>
-              </a:ext>
-            </a:extLst>
-          </p:cNvPr>
-          <p:cNvCxnSpPr>
-            <a:cxnSpLocks/>
-            <a:stCxn id="5" idx="6"/>
-            <a:endCxn id="11" idx="2"/>
-          </p:cNvCxnSpPr>
-          <p:nvPr/>
-        </p:nvCxnSpPr>
-        <p:spPr>
-          <a:xfrm>
-            <a:off x="4772967" y="6056644"/>
-            <a:ext cx="2646068" cy="0"/>
-          </a:xfrm>
-          <a:prstGeom prst="straightConnector1">
-            <a:avLst/>
-          </a:prstGeom>
-          <a:ln w="12700">
-            <a:solidFill>
-              <a:schemeClr val="tx1"/>
-            </a:solidFill>
-            <a:tailEnd type="triangle"/>
-          </a:ln>
-        </p:spPr>
-        <p:style>
-          <a:lnRef idx="1">
-            <a:schemeClr val="accent1"/>
-          </a:lnRef>
-          <a:fillRef idx="0">
-            <a:schemeClr val="accent1"/>
-          </a:fillRef>
-          <a:effectRef idx="0">
-            <a:schemeClr val="accent1"/>
-          </a:effectRef>
-          <a:fontRef idx="minor">
-            <a:schemeClr val="tx1"/>
-          </a:fontRef>
-        </p:style>
-      </p:cxnSp>
-      <p:cxnSp>
-        <p:nvCxnSpPr>
-          <p:cNvPr id="37" name="Gerade Verbindung mit Pfeil 36">
-            <a:extLst>
-              <a:ext uri="{FF2B5EF4-FFF2-40B4-BE49-F238E27FC236}">
-                <a16:creationId xmlns:a16="http://schemas.microsoft.com/office/drawing/2014/main" id="{559859AA-23E6-202C-C9C6-307395CF31C2}"/>
-              </a:ext>
-            </a:extLst>
-          </p:cNvPr>
-          <p:cNvCxnSpPr>
-            <a:cxnSpLocks/>
-            <a:stCxn id="10" idx="7"/>
-            <a:endCxn id="4" idx="1"/>
-          </p:cNvCxnSpPr>
-          <p:nvPr/>
-        </p:nvCxnSpPr>
-        <p:spPr>
-          <a:xfrm flipV="1">
-            <a:off x="4639056" y="775167"/>
-            <a:ext cx="2779979" cy="729902"/>
-          </a:xfrm>
-          <a:prstGeom prst="straightConnector1">
-            <a:avLst/>
-          </a:prstGeom>
-          <a:ln w="12700">
-            <a:solidFill>
-              <a:schemeClr val="tx1"/>
-            </a:solidFill>
-            <a:tailEnd type="triangle"/>
-          </a:ln>
-        </p:spPr>
-        <p:style>
-          <a:lnRef idx="1">
-            <a:schemeClr val="accent1"/>
-          </a:lnRef>
-          <a:fillRef idx="0">
-            <a:schemeClr val="accent1"/>
-          </a:fillRef>
-          <a:effectRef idx="0">
-            <a:schemeClr val="accent1"/>
-          </a:effectRef>
-          <a:fontRef idx="minor">
-            <a:schemeClr val="tx1"/>
-          </a:fontRef>
-        </p:style>
-      </p:cxnSp>
-      <p:cxnSp>
-        <p:nvCxnSpPr>
-          <p:cNvPr id="42" name="Gerade Verbindung mit Pfeil 41">
-            <a:extLst>
-              <a:ext uri="{FF2B5EF4-FFF2-40B4-BE49-F238E27FC236}">
-                <a16:creationId xmlns:a16="http://schemas.microsoft.com/office/drawing/2014/main" id="{82CB0254-A1AB-189F-32E6-069960D53556}"/>
-              </a:ext>
-            </a:extLst>
-          </p:cNvPr>
-          <p:cNvCxnSpPr>
-            <a:cxnSpLocks/>
-            <a:stCxn id="9" idx="7"/>
-            <a:endCxn id="4" idx="1"/>
-          </p:cNvCxnSpPr>
-          <p:nvPr/>
-        </p:nvCxnSpPr>
-        <p:spPr>
-          <a:xfrm flipV="1">
-            <a:off x="4639056" y="775167"/>
-            <a:ext cx="2779979" cy="2844046"/>
-          </a:xfrm>
-          <a:prstGeom prst="straightConnector1">
-            <a:avLst/>
-          </a:prstGeom>
-          <a:ln w="12700">
-            <a:solidFill>
-              <a:schemeClr val="tx1"/>
-            </a:solidFill>
-            <a:tailEnd type="triangle"/>
-          </a:ln>
-        </p:spPr>
-        <p:style>
-          <a:lnRef idx="1">
-            <a:schemeClr val="accent1"/>
-          </a:lnRef>
-          <a:fillRef idx="0">
-            <a:schemeClr val="accent1"/>
-          </a:fillRef>
-          <a:effectRef idx="0">
-            <a:schemeClr val="accent1"/>
-          </a:effectRef>
-          <a:fontRef idx="minor">
-            <a:schemeClr val="tx1"/>
-          </a:fontRef>
-        </p:style>
-      </p:cxnSp>
-      <p:cxnSp>
-        <p:nvCxnSpPr>
-          <p:cNvPr id="45" name="Gerade Verbindung mit Pfeil 44">
-            <a:extLst>
-              <a:ext uri="{FF2B5EF4-FFF2-40B4-BE49-F238E27FC236}">
-                <a16:creationId xmlns:a16="http://schemas.microsoft.com/office/drawing/2014/main" id="{3C1E84B2-FD26-6D61-D3DD-9FE0036D4C96}"/>
-              </a:ext>
-            </a:extLst>
-          </p:cNvPr>
-          <p:cNvCxnSpPr>
-            <a:cxnSpLocks/>
-            <a:stCxn id="8" idx="7"/>
-            <a:endCxn id="4" idx="1"/>
-          </p:cNvCxnSpPr>
-          <p:nvPr/>
-        </p:nvCxnSpPr>
-        <p:spPr>
-          <a:xfrm flipV="1">
-            <a:off x="4639056" y="775167"/>
-            <a:ext cx="2779979" cy="3901118"/>
-          </a:xfrm>
-          <a:prstGeom prst="straightConnector1">
-            <a:avLst/>
-          </a:prstGeom>
-          <a:ln w="12700">
-            <a:solidFill>
-              <a:schemeClr val="tx1"/>
-            </a:solidFill>
-            <a:tailEnd type="triangle"/>
-          </a:ln>
-        </p:spPr>
-        <p:style>
-          <a:lnRef idx="1">
-            <a:schemeClr val="accent1"/>
-          </a:lnRef>
-          <a:fillRef idx="0">
-            <a:schemeClr val="accent1"/>
-          </a:fillRef>
-          <a:effectRef idx="0">
-            <a:schemeClr val="accent1"/>
-          </a:effectRef>
-          <a:fontRef idx="minor">
-            <a:schemeClr val="tx1"/>
-          </a:fontRef>
-        </p:style>
-      </p:cxnSp>
-      <p:cxnSp>
-        <p:nvCxnSpPr>
-          <p:cNvPr id="48" name="Gerade Verbindung mit Pfeil 47">
-            <a:extLst>
-              <a:ext uri="{FF2B5EF4-FFF2-40B4-BE49-F238E27FC236}">
-                <a16:creationId xmlns:a16="http://schemas.microsoft.com/office/drawing/2014/main" id="{029055A8-12CA-555A-72CB-C1D0A87BC44D}"/>
-              </a:ext>
-            </a:extLst>
-          </p:cNvPr>
-          <p:cNvCxnSpPr>
-            <a:cxnSpLocks/>
-            <a:stCxn id="5" idx="7"/>
-            <a:endCxn id="4" idx="1"/>
-          </p:cNvCxnSpPr>
-          <p:nvPr/>
-        </p:nvCxnSpPr>
-        <p:spPr>
-          <a:xfrm flipV="1">
-            <a:off x="4639056" y="775167"/>
-            <a:ext cx="2779979" cy="4958188"/>
-          </a:xfrm>
-          <a:prstGeom prst="straightConnector1">
-            <a:avLst/>
-          </a:prstGeom>
-          <a:ln w="12700">
-            <a:solidFill>
-              <a:schemeClr val="tx1"/>
-            </a:solidFill>
-            <a:tailEnd type="triangle"/>
-          </a:ln>
-        </p:spPr>
-        <p:style>
-          <a:lnRef idx="1">
-            <a:schemeClr val="accent1"/>
-          </a:lnRef>
-          <a:fillRef idx="0">
-            <a:schemeClr val="accent1"/>
-          </a:fillRef>
-          <a:effectRef idx="0">
-            <a:schemeClr val="accent1"/>
-          </a:effectRef>
-          <a:fontRef idx="minor">
-            <a:schemeClr val="tx1"/>
-          </a:fontRef>
-        </p:style>
-      </p:cxnSp>
-      <p:cxnSp>
-        <p:nvCxnSpPr>
-          <p:cNvPr id="51" name="Gerade Verbindung mit Pfeil 50">
-            <a:extLst>
-              <a:ext uri="{FF2B5EF4-FFF2-40B4-BE49-F238E27FC236}">
-                <a16:creationId xmlns:a16="http://schemas.microsoft.com/office/drawing/2014/main" id="{C8C1EF1D-9690-323B-8F03-1411A36B1DC7}"/>
-              </a:ext>
-            </a:extLst>
-          </p:cNvPr>
-          <p:cNvCxnSpPr>
-            <a:cxnSpLocks/>
-            <a:stCxn id="6" idx="3"/>
-            <a:endCxn id="15" idx="1"/>
-          </p:cNvCxnSpPr>
-          <p:nvPr/>
-        </p:nvCxnSpPr>
-        <p:spPr>
-          <a:xfrm>
-            <a:off x="4772967" y="771286"/>
-            <a:ext cx="2779979" cy="736887"/>
-          </a:xfrm>
-          <a:prstGeom prst="straightConnector1">
-            <a:avLst/>
-          </a:prstGeom>
-          <a:ln w="12700">
-            <a:solidFill>
-              <a:schemeClr val="tx1"/>
-            </a:solidFill>
-            <a:tailEnd type="triangle"/>
-          </a:ln>
-        </p:spPr>
-        <p:style>
-          <a:lnRef idx="1">
-            <a:schemeClr val="accent1"/>
-          </a:lnRef>
-          <a:fillRef idx="0">
-            <a:schemeClr val="accent1"/>
-          </a:fillRef>
-          <a:effectRef idx="0">
-            <a:schemeClr val="accent1"/>
-          </a:effectRef>
-          <a:fontRef idx="minor">
-            <a:schemeClr val="tx1"/>
-          </a:fontRef>
-        </p:style>
-      </p:cxnSp>
-      <p:cxnSp>
-        <p:nvCxnSpPr>
-          <p:cNvPr id="54" name="Gerade Verbindung mit Pfeil 53">
-            <a:extLst>
-              <a:ext uri="{FF2B5EF4-FFF2-40B4-BE49-F238E27FC236}">
-                <a16:creationId xmlns:a16="http://schemas.microsoft.com/office/drawing/2014/main" id="{79E5FCE1-D31F-C11B-C239-E3D7977BE030}"/>
-              </a:ext>
-            </a:extLst>
-          </p:cNvPr>
-          <p:cNvCxnSpPr>
-            <a:cxnSpLocks/>
-            <a:stCxn id="6" idx="3"/>
-            <a:endCxn id="12" idx="1"/>
-          </p:cNvCxnSpPr>
-          <p:nvPr/>
-        </p:nvCxnSpPr>
-        <p:spPr>
-          <a:xfrm>
-            <a:off x="4772967" y="771286"/>
-            <a:ext cx="2779979" cy="1793182"/>
-          </a:xfrm>
-          <a:prstGeom prst="straightConnector1">
-            <a:avLst/>
-          </a:prstGeom>
-          <a:ln w="12700">
-            <a:solidFill>
-              <a:schemeClr val="tx1"/>
-            </a:solidFill>
-            <a:tailEnd type="triangle"/>
-          </a:ln>
-        </p:spPr>
-        <p:style>
-          <a:lnRef idx="1">
-            <a:schemeClr val="accent1"/>
-          </a:lnRef>
-          <a:fillRef idx="0">
-            <a:schemeClr val="accent1"/>
-          </a:fillRef>
-          <a:effectRef idx="0">
-            <a:schemeClr val="accent1"/>
-          </a:effectRef>
-          <a:fontRef idx="minor">
-            <a:schemeClr val="tx1"/>
-          </a:fontRef>
-        </p:style>
-      </p:cxnSp>
-      <p:cxnSp>
-        <p:nvCxnSpPr>
-          <p:cNvPr id="57" name="Gerade Verbindung mit Pfeil 56">
-            <a:extLst>
-              <a:ext uri="{FF2B5EF4-FFF2-40B4-BE49-F238E27FC236}">
-                <a16:creationId xmlns:a16="http://schemas.microsoft.com/office/drawing/2014/main" id="{130020C9-6BA8-C342-4C3D-4DC4DC4BEB16}"/>
-              </a:ext>
-            </a:extLst>
-          </p:cNvPr>
-          <p:cNvCxnSpPr>
-            <a:cxnSpLocks/>
-            <a:stCxn id="6" idx="3"/>
-            <a:endCxn id="14" idx="1"/>
-          </p:cNvCxnSpPr>
-          <p:nvPr/>
-        </p:nvCxnSpPr>
-        <p:spPr>
-          <a:xfrm>
-            <a:off x="4772967" y="771286"/>
-            <a:ext cx="2779979" cy="2849477"/>
-          </a:xfrm>
-          <a:prstGeom prst="straightConnector1">
-            <a:avLst/>
-          </a:prstGeom>
-          <a:ln w="12700">
-            <a:solidFill>
-              <a:schemeClr val="tx1"/>
-            </a:solidFill>
-            <a:tailEnd type="triangle"/>
-          </a:ln>
-        </p:spPr>
-        <p:style>
-          <a:lnRef idx="1">
-            <a:schemeClr val="accent1"/>
-          </a:lnRef>
-          <a:fillRef idx="0">
-            <a:schemeClr val="accent1"/>
-          </a:fillRef>
-          <a:effectRef idx="0">
-            <a:schemeClr val="accent1"/>
-          </a:effectRef>
-          <a:fontRef idx="minor">
-            <a:schemeClr val="tx1"/>
-          </a:fontRef>
-        </p:style>
-      </p:cxnSp>
-      <p:cxnSp>
-        <p:nvCxnSpPr>
-          <p:cNvPr id="60" name="Gerade Verbindung mit Pfeil 59">
-            <a:extLst>
-              <a:ext uri="{FF2B5EF4-FFF2-40B4-BE49-F238E27FC236}">
-                <a16:creationId xmlns:a16="http://schemas.microsoft.com/office/drawing/2014/main" id="{2A624EBC-F0BC-E0AC-52C0-AED350765C96}"/>
-              </a:ext>
-            </a:extLst>
-          </p:cNvPr>
-          <p:cNvCxnSpPr>
-            <a:cxnSpLocks/>
-            <a:stCxn id="6" idx="3"/>
-            <a:endCxn id="13" idx="1"/>
-          </p:cNvCxnSpPr>
-          <p:nvPr/>
-        </p:nvCxnSpPr>
-        <p:spPr>
-          <a:xfrm>
-            <a:off x="4772967" y="771286"/>
-            <a:ext cx="2779979" cy="3905772"/>
-          </a:xfrm>
-          <a:prstGeom prst="straightConnector1">
-            <a:avLst/>
-          </a:prstGeom>
-          <a:ln w="12700">
-            <a:solidFill>
-              <a:schemeClr val="tx1"/>
-            </a:solidFill>
-            <a:tailEnd type="triangle"/>
-          </a:ln>
-        </p:spPr>
-        <p:style>
-          <a:lnRef idx="1">
-            <a:schemeClr val="accent1"/>
-          </a:lnRef>
-          <a:fillRef idx="0">
-            <a:schemeClr val="accent1"/>
-          </a:fillRef>
-          <a:effectRef idx="0">
-            <a:schemeClr val="accent1"/>
-          </a:effectRef>
-          <a:fontRef idx="minor">
-            <a:schemeClr val="tx1"/>
-          </a:fontRef>
-        </p:style>
-      </p:cxnSp>
-      <p:cxnSp>
-        <p:nvCxnSpPr>
-          <p:cNvPr id="63" name="Gerade Verbindung mit Pfeil 62">
-            <a:extLst>
-              <a:ext uri="{FF2B5EF4-FFF2-40B4-BE49-F238E27FC236}">
-                <a16:creationId xmlns:a16="http://schemas.microsoft.com/office/drawing/2014/main" id="{C9CA999C-E070-256F-2CC4-8B291F822388}"/>
-              </a:ext>
-            </a:extLst>
-          </p:cNvPr>
-          <p:cNvCxnSpPr>
-            <a:cxnSpLocks/>
-            <a:stCxn id="6" idx="3"/>
-            <a:endCxn id="11" idx="1"/>
-          </p:cNvCxnSpPr>
-          <p:nvPr/>
-        </p:nvCxnSpPr>
-        <p:spPr>
-          <a:xfrm>
-            <a:off x="4772967" y="771286"/>
-            <a:ext cx="2779979" cy="4962069"/>
-          </a:xfrm>
-          <a:prstGeom prst="straightConnector1">
-            <a:avLst/>
-          </a:prstGeom>
-          <a:ln w="12700">
-            <a:solidFill>
-              <a:schemeClr val="tx1"/>
-            </a:solidFill>
-            <a:tailEnd type="triangle"/>
-          </a:ln>
-        </p:spPr>
-        <p:style>
-          <a:lnRef idx="1">
-            <a:schemeClr val="accent1"/>
-          </a:lnRef>
-          <a:fillRef idx="0">
-            <a:schemeClr val="accent1"/>
-          </a:fillRef>
-          <a:effectRef idx="0">
-            <a:schemeClr val="accent1"/>
-          </a:effectRef>
-          <a:fontRef idx="minor">
-            <a:schemeClr val="tx1"/>
-          </a:fontRef>
-        </p:style>
-      </p:cxnSp>
-      <p:sp>
-        <p:nvSpPr>
-          <p:cNvPr id="96" name="Textfeld 95">
-            <a:extLst>
-              <a:ext uri="{FF2B5EF4-FFF2-40B4-BE49-F238E27FC236}">
-                <a16:creationId xmlns:a16="http://schemas.microsoft.com/office/drawing/2014/main" id="{3B12DFB1-2865-980B-B5F5-4D0EA662DF5B}"/>
-              </a:ext>
-            </a:extLst>
-          </p:cNvPr>
-          <p:cNvSpPr txBox="1"/>
-          <p:nvPr/>
-        </p:nvSpPr>
-        <p:spPr>
-          <a:xfrm>
-            <a:off x="7081288" y="1718506"/>
-            <a:ext cx="208390" cy="215444"/>
-          </a:xfrm>
-          <a:prstGeom prst="rect">
-            <a:avLst/>
-          </a:prstGeom>
-          <a:solidFill>
-            <a:schemeClr val="bg1"/>
-          </a:solidFill>
-        </p:spPr>
-        <p:txBody>
-          <a:bodyPr wrap="none" lIns="0" tIns="0" rIns="0" bIns="0" rtlCol="0">
-            <a:spAutoFit/>
-          </a:bodyPr>
-          <a:lstStyle/>
-          <a:p>
-            <a:r>
-              <a:rPr lang="de-DE" sz="1400" dirty="0">
-                <a:latin typeface="Arial" panose="020B0604020202020204" pitchFamily="34" charset="0"/>
-                <a:cs typeface="Arial" panose="020B0604020202020204" pitchFamily="34" charset="0"/>
-              </a:rPr>
-              <a:t>𝛽2</a:t>
-            </a:r>
-          </a:p>
-        </p:txBody>
-      </p:sp>
-      <p:sp>
-        <p:nvSpPr>
-          <p:cNvPr id="97" name="Textfeld 96">
-            <a:extLst>
-              <a:ext uri="{FF2B5EF4-FFF2-40B4-BE49-F238E27FC236}">
-                <a16:creationId xmlns:a16="http://schemas.microsoft.com/office/drawing/2014/main" id="{6AA491AA-3FC3-19BB-89D9-E9104DBF4668}"/>
-              </a:ext>
-            </a:extLst>
-          </p:cNvPr>
-          <p:cNvSpPr txBox="1"/>
-          <p:nvPr/>
-        </p:nvSpPr>
-        <p:spPr>
-          <a:xfrm>
-            <a:off x="5974702" y="652581"/>
-            <a:ext cx="208390" cy="215444"/>
-          </a:xfrm>
-          <a:prstGeom prst="rect">
-            <a:avLst/>
-          </a:prstGeom>
-          <a:solidFill>
-            <a:schemeClr val="bg1"/>
-          </a:solidFill>
-        </p:spPr>
-        <p:txBody>
-          <a:bodyPr wrap="none" lIns="0" tIns="0" rIns="0" bIns="0" rtlCol="0">
-            <a:spAutoFit/>
-          </a:bodyPr>
-          <a:lstStyle/>
-          <a:p>
-            <a:r>
-              <a:rPr lang="de-DE" sz="1400" dirty="0">
-                <a:latin typeface="Arial" panose="020B0604020202020204" pitchFamily="34" charset="0"/>
-                <a:cs typeface="Arial" panose="020B0604020202020204" pitchFamily="34" charset="0"/>
-              </a:rPr>
-              <a:t>𝛽1</a:t>
-            </a:r>
-          </a:p>
-        </p:txBody>
-      </p:sp>
-      <p:sp>
-        <p:nvSpPr>
-          <p:cNvPr id="98" name="Textfeld 97">
-            <a:extLst>
-              <a:ext uri="{FF2B5EF4-FFF2-40B4-BE49-F238E27FC236}">
-                <a16:creationId xmlns:a16="http://schemas.microsoft.com/office/drawing/2014/main" id="{9F589BCD-CEB0-913A-E7EC-E99F16A3F5CF}"/>
-              </a:ext>
-            </a:extLst>
-          </p:cNvPr>
-          <p:cNvSpPr txBox="1"/>
-          <p:nvPr/>
-        </p:nvSpPr>
-        <p:spPr>
-          <a:xfrm>
-            <a:off x="7081288" y="2769481"/>
-            <a:ext cx="208390" cy="215444"/>
-          </a:xfrm>
-          <a:prstGeom prst="rect">
-            <a:avLst/>
-          </a:prstGeom>
-          <a:solidFill>
-            <a:schemeClr val="bg1"/>
-          </a:solidFill>
-        </p:spPr>
-        <p:txBody>
-          <a:bodyPr wrap="none" lIns="0" tIns="0" rIns="0" bIns="0" rtlCol="0">
-            <a:spAutoFit/>
-          </a:bodyPr>
-          <a:lstStyle/>
-          <a:p>
-            <a:r>
-              <a:rPr lang="de-DE" sz="1400" dirty="0">
-                <a:latin typeface="Arial" panose="020B0604020202020204" pitchFamily="34" charset="0"/>
-                <a:cs typeface="Arial" panose="020B0604020202020204" pitchFamily="34" charset="0"/>
-              </a:rPr>
-              <a:t>𝛽3</a:t>
-            </a:r>
-          </a:p>
-        </p:txBody>
-      </p:sp>
-      <p:sp>
-        <p:nvSpPr>
-          <p:cNvPr id="99" name="Textfeld 98">
-            <a:extLst>
-              <a:ext uri="{FF2B5EF4-FFF2-40B4-BE49-F238E27FC236}">
-                <a16:creationId xmlns:a16="http://schemas.microsoft.com/office/drawing/2014/main" id="{55D212B9-E838-C8D8-1ACD-DD447506462D}"/>
-              </a:ext>
-            </a:extLst>
-          </p:cNvPr>
-          <p:cNvSpPr txBox="1"/>
-          <p:nvPr/>
-        </p:nvSpPr>
-        <p:spPr>
-          <a:xfrm>
-            <a:off x="5979874" y="3823020"/>
-            <a:ext cx="208390" cy="215444"/>
-          </a:xfrm>
-          <a:prstGeom prst="rect">
-            <a:avLst/>
-          </a:prstGeom>
-          <a:solidFill>
-            <a:schemeClr val="bg1"/>
-          </a:solidFill>
-        </p:spPr>
-        <p:txBody>
-          <a:bodyPr wrap="none" lIns="0" tIns="0" rIns="0" bIns="0" rtlCol="0">
-            <a:spAutoFit/>
-          </a:bodyPr>
-          <a:lstStyle/>
-          <a:p>
-            <a:r>
-              <a:rPr lang="de-DE" sz="1400" dirty="0">
-                <a:latin typeface="Arial" panose="020B0604020202020204" pitchFamily="34" charset="0"/>
-                <a:cs typeface="Arial" panose="020B0604020202020204" pitchFamily="34" charset="0"/>
-              </a:rPr>
-              <a:t>𝛽4</a:t>
-            </a:r>
-          </a:p>
-        </p:txBody>
-      </p:sp>
-      <p:sp>
-        <p:nvSpPr>
-          <p:cNvPr id="100" name="Textfeld 99">
-            <a:extLst>
-              <a:ext uri="{FF2B5EF4-FFF2-40B4-BE49-F238E27FC236}">
-                <a16:creationId xmlns:a16="http://schemas.microsoft.com/office/drawing/2014/main" id="{F790C512-9E37-2124-37CC-B0FAA070FC9B}"/>
-              </a:ext>
-            </a:extLst>
-          </p:cNvPr>
-          <p:cNvSpPr txBox="1"/>
-          <p:nvPr/>
-        </p:nvSpPr>
-        <p:spPr>
-          <a:xfrm>
-            <a:off x="5967760" y="4863030"/>
-            <a:ext cx="208390" cy="215444"/>
-          </a:xfrm>
-          <a:prstGeom prst="rect">
-            <a:avLst/>
-          </a:prstGeom>
-          <a:solidFill>
-            <a:schemeClr val="bg1"/>
-          </a:solidFill>
-        </p:spPr>
-        <p:txBody>
-          <a:bodyPr wrap="none" lIns="0" tIns="0" rIns="0" bIns="0" rtlCol="0">
-            <a:spAutoFit/>
-          </a:bodyPr>
-          <a:lstStyle/>
-          <a:p>
-            <a:r>
-              <a:rPr lang="de-DE" sz="1400" dirty="0">
-                <a:latin typeface="Arial" panose="020B0604020202020204" pitchFamily="34" charset="0"/>
-                <a:cs typeface="Arial" panose="020B0604020202020204" pitchFamily="34" charset="0"/>
-              </a:rPr>
-              <a:t>𝛽5</a:t>
-            </a:r>
-          </a:p>
-        </p:txBody>
-      </p:sp>
-      <p:sp>
-        <p:nvSpPr>
-          <p:cNvPr id="101" name="Textfeld 100">
-            <a:extLst>
-              <a:ext uri="{FF2B5EF4-FFF2-40B4-BE49-F238E27FC236}">
-                <a16:creationId xmlns:a16="http://schemas.microsoft.com/office/drawing/2014/main" id="{7A89D522-A7D6-7C43-6705-15B0EBCCC3D3}"/>
-              </a:ext>
-            </a:extLst>
-          </p:cNvPr>
-          <p:cNvSpPr txBox="1"/>
-          <p:nvPr/>
-        </p:nvSpPr>
-        <p:spPr>
-          <a:xfrm>
-            <a:off x="5967760" y="5939559"/>
-            <a:ext cx="208390" cy="215444"/>
-          </a:xfrm>
-          <a:prstGeom prst="rect">
-            <a:avLst/>
-          </a:prstGeom>
-          <a:solidFill>
-            <a:schemeClr val="bg1"/>
-          </a:solidFill>
-        </p:spPr>
-        <p:txBody>
-          <a:bodyPr wrap="none" lIns="0" tIns="0" rIns="0" bIns="0" rtlCol="0">
-            <a:spAutoFit/>
-          </a:bodyPr>
-          <a:lstStyle/>
-          <a:p>
-            <a:r>
-              <a:rPr lang="de-DE" sz="1400" dirty="0">
-                <a:latin typeface="Arial" panose="020B0604020202020204" pitchFamily="34" charset="0"/>
-                <a:cs typeface="Arial" panose="020B0604020202020204" pitchFamily="34" charset="0"/>
-              </a:rPr>
-              <a:t>𝛽6</a:t>
-            </a:r>
-          </a:p>
-        </p:txBody>
-      </p:sp>
-      <p:sp>
-        <p:nvSpPr>
-          <p:cNvPr id="102" name="Textfeld 101">
-            <a:extLst>
-              <a:ext uri="{FF2B5EF4-FFF2-40B4-BE49-F238E27FC236}">
-                <a16:creationId xmlns:a16="http://schemas.microsoft.com/office/drawing/2014/main" id="{2C79496F-F467-E49D-3A5B-95EEE889EC0C}"/>
-              </a:ext>
-            </a:extLst>
-          </p:cNvPr>
-          <p:cNvSpPr txBox="1"/>
-          <p:nvPr/>
-        </p:nvSpPr>
-        <p:spPr>
-          <a:xfrm>
-            <a:off x="5389262" y="863660"/>
-            <a:ext cx="293350" cy="215444"/>
-          </a:xfrm>
-          <a:prstGeom prst="rect">
-            <a:avLst/>
-          </a:prstGeom>
-          <a:solidFill>
-            <a:schemeClr val="bg1"/>
-          </a:solidFill>
-        </p:spPr>
-        <p:txBody>
-          <a:bodyPr wrap="none" lIns="0" tIns="0" rIns="0" bIns="0" rtlCol="0">
-            <a:spAutoFit/>
-          </a:bodyPr>
-          <a:lstStyle/>
-          <a:p>
-            <a:r>
-              <a:rPr lang="de-DE" sz="1400" dirty="0">
-                <a:latin typeface="Arial" panose="020B0604020202020204" pitchFamily="34" charset="0"/>
-                <a:cs typeface="Arial" panose="020B0604020202020204" pitchFamily="34" charset="0"/>
-              </a:rPr>
-              <a:t>𝛾12</a:t>
-            </a:r>
-          </a:p>
-        </p:txBody>
-      </p:sp>
-      <p:sp>
-        <p:nvSpPr>
-          <p:cNvPr id="103" name="Textfeld 102">
-            <a:extLst>
-              <a:ext uri="{FF2B5EF4-FFF2-40B4-BE49-F238E27FC236}">
-                <a16:creationId xmlns:a16="http://schemas.microsoft.com/office/drawing/2014/main" id="{5B10C714-4877-597B-B4A2-E306052270EB}"/>
-              </a:ext>
-            </a:extLst>
-          </p:cNvPr>
-          <p:cNvSpPr txBox="1"/>
-          <p:nvPr/>
-        </p:nvSpPr>
-        <p:spPr>
-          <a:xfrm>
-            <a:off x="5655976" y="1355899"/>
-            <a:ext cx="293350" cy="215444"/>
-          </a:xfrm>
-          <a:prstGeom prst="rect">
-            <a:avLst/>
-          </a:prstGeom>
-          <a:solidFill>
-            <a:schemeClr val="bg1"/>
-          </a:solidFill>
-        </p:spPr>
-        <p:txBody>
-          <a:bodyPr wrap="none" lIns="0" tIns="0" rIns="0" bIns="0" rtlCol="0">
-            <a:spAutoFit/>
-          </a:bodyPr>
-          <a:lstStyle/>
-          <a:p>
-            <a:r>
-              <a:rPr lang="de-DE" sz="1400" dirty="0">
-                <a:latin typeface="Arial" panose="020B0604020202020204" pitchFamily="34" charset="0"/>
-                <a:cs typeface="Arial" panose="020B0604020202020204" pitchFamily="34" charset="0"/>
-              </a:rPr>
-              <a:t>𝛾13</a:t>
-            </a:r>
-          </a:p>
-        </p:txBody>
-      </p:sp>
-      <p:sp>
-        <p:nvSpPr>
-          <p:cNvPr id="104" name="Textfeld 103">
-            <a:extLst>
-              <a:ext uri="{FF2B5EF4-FFF2-40B4-BE49-F238E27FC236}">
-                <a16:creationId xmlns:a16="http://schemas.microsoft.com/office/drawing/2014/main" id="{59D83081-5A6E-9FF6-2690-FD40DF73DF2E}"/>
-              </a:ext>
-            </a:extLst>
-          </p:cNvPr>
-          <p:cNvSpPr txBox="1"/>
-          <p:nvPr/>
-        </p:nvSpPr>
-        <p:spPr>
-          <a:xfrm>
-            <a:off x="7105174" y="3144598"/>
-            <a:ext cx="293350" cy="215444"/>
-          </a:xfrm>
-          <a:prstGeom prst="rect">
-            <a:avLst/>
-          </a:prstGeom>
-          <a:solidFill>
-            <a:schemeClr val="bg1"/>
-          </a:solidFill>
-        </p:spPr>
-        <p:txBody>
-          <a:bodyPr wrap="none" lIns="0" tIns="0" rIns="0" bIns="0" rtlCol="0">
-            <a:spAutoFit/>
-          </a:bodyPr>
-          <a:lstStyle/>
-          <a:p>
-            <a:r>
-              <a:rPr lang="de-DE" sz="1400" dirty="0">
-                <a:latin typeface="Arial" panose="020B0604020202020204" pitchFamily="34" charset="0"/>
-                <a:cs typeface="Arial" panose="020B0604020202020204" pitchFamily="34" charset="0"/>
-              </a:rPr>
-              <a:t>𝛾14</a:t>
-            </a:r>
-          </a:p>
-        </p:txBody>
-      </p:sp>
-      <p:sp>
-        <p:nvSpPr>
-          <p:cNvPr id="105" name="Textfeld 104">
-            <a:extLst>
-              <a:ext uri="{FF2B5EF4-FFF2-40B4-BE49-F238E27FC236}">
-                <a16:creationId xmlns:a16="http://schemas.microsoft.com/office/drawing/2014/main" id="{911E312A-FD44-A201-4B55-42EEA9221567}"/>
-              </a:ext>
-            </a:extLst>
-          </p:cNvPr>
-          <p:cNvSpPr txBox="1"/>
-          <p:nvPr/>
-        </p:nvSpPr>
-        <p:spPr>
-          <a:xfrm>
-            <a:off x="7105174" y="4158069"/>
-            <a:ext cx="293350" cy="215444"/>
-          </a:xfrm>
-          <a:prstGeom prst="rect">
-            <a:avLst/>
-          </a:prstGeom>
-          <a:solidFill>
-            <a:schemeClr val="bg1"/>
-          </a:solidFill>
-        </p:spPr>
-        <p:txBody>
-          <a:bodyPr wrap="none" lIns="0" tIns="0" rIns="0" bIns="0" rtlCol="0">
-            <a:spAutoFit/>
-          </a:bodyPr>
-          <a:lstStyle/>
-          <a:p>
-            <a:r>
-              <a:rPr lang="de-DE" sz="1400" dirty="0">
-                <a:latin typeface="Arial" panose="020B0604020202020204" pitchFamily="34" charset="0"/>
-                <a:cs typeface="Arial" panose="020B0604020202020204" pitchFamily="34" charset="0"/>
-              </a:rPr>
-              <a:t>𝛾15</a:t>
-            </a:r>
-          </a:p>
-        </p:txBody>
-      </p:sp>
-      <p:sp>
-        <p:nvSpPr>
-          <p:cNvPr id="106" name="Textfeld 105">
-            <a:extLst>
-              <a:ext uri="{FF2B5EF4-FFF2-40B4-BE49-F238E27FC236}">
-                <a16:creationId xmlns:a16="http://schemas.microsoft.com/office/drawing/2014/main" id="{E3BDEDF8-9EF2-A14E-1E08-5A07D236D19D}"/>
-              </a:ext>
-            </a:extLst>
-          </p:cNvPr>
-          <p:cNvSpPr txBox="1"/>
-          <p:nvPr/>
-        </p:nvSpPr>
-        <p:spPr>
-          <a:xfrm>
-            <a:off x="7105174" y="5291803"/>
-            <a:ext cx="293350" cy="215444"/>
-          </a:xfrm>
-          <a:prstGeom prst="rect">
-            <a:avLst/>
-          </a:prstGeom>
-          <a:solidFill>
-            <a:schemeClr val="bg1"/>
-          </a:solidFill>
-        </p:spPr>
-        <p:txBody>
-          <a:bodyPr wrap="none" lIns="0" tIns="0" rIns="0" bIns="0" rtlCol="0">
-            <a:spAutoFit/>
-          </a:bodyPr>
-          <a:lstStyle/>
-          <a:p>
-            <a:r>
-              <a:rPr lang="de-DE" sz="1400" dirty="0">
-                <a:latin typeface="Arial" panose="020B0604020202020204" pitchFamily="34" charset="0"/>
-                <a:cs typeface="Arial" panose="020B0604020202020204" pitchFamily="34" charset="0"/>
-              </a:rPr>
-              <a:t>𝛾16</a:t>
-            </a:r>
-          </a:p>
-        </p:txBody>
-      </p:sp>
-      <p:sp>
-        <p:nvSpPr>
-          <p:cNvPr id="107" name="Textfeld 106">
-            <a:extLst>
-              <a:ext uri="{FF2B5EF4-FFF2-40B4-BE49-F238E27FC236}">
-                <a16:creationId xmlns:a16="http://schemas.microsoft.com/office/drawing/2014/main" id="{535BDC45-B3EC-4350-360D-A050AFE2A3C9}"/>
-              </a:ext>
-            </a:extLst>
-          </p:cNvPr>
-          <p:cNvSpPr txBox="1"/>
-          <p:nvPr/>
-        </p:nvSpPr>
-        <p:spPr>
-          <a:xfrm>
-            <a:off x="4767347" y="3144598"/>
-            <a:ext cx="293350" cy="215444"/>
-          </a:xfrm>
-          <a:prstGeom prst="rect">
-            <a:avLst/>
-          </a:prstGeom>
-          <a:solidFill>
-            <a:schemeClr val="bg1"/>
-          </a:solidFill>
-        </p:spPr>
-        <p:txBody>
-          <a:bodyPr wrap="none" lIns="0" tIns="0" rIns="0" bIns="0" rtlCol="0">
-            <a:spAutoFit/>
-          </a:bodyPr>
-          <a:lstStyle/>
-          <a:p>
-            <a:r>
-              <a:rPr lang="de-DE" sz="1400" dirty="0">
-                <a:latin typeface="Arial" panose="020B0604020202020204" pitchFamily="34" charset="0"/>
-                <a:cs typeface="Arial" panose="020B0604020202020204" pitchFamily="34" charset="0"/>
-              </a:rPr>
-              <a:t>𝛾41</a:t>
-            </a:r>
-          </a:p>
-        </p:txBody>
-      </p:sp>
-      <p:sp>
-        <p:nvSpPr>
-          <p:cNvPr id="108" name="Textfeld 107">
-            <a:extLst>
-              <a:ext uri="{FF2B5EF4-FFF2-40B4-BE49-F238E27FC236}">
-                <a16:creationId xmlns:a16="http://schemas.microsoft.com/office/drawing/2014/main" id="{614A285B-6673-8C5F-0EF7-8551502515D5}"/>
-              </a:ext>
-            </a:extLst>
-          </p:cNvPr>
-          <p:cNvSpPr txBox="1"/>
-          <p:nvPr/>
-        </p:nvSpPr>
-        <p:spPr>
-          <a:xfrm>
-            <a:off x="4767347" y="4158069"/>
-            <a:ext cx="293350" cy="215444"/>
-          </a:xfrm>
-          <a:prstGeom prst="rect">
-            <a:avLst/>
-          </a:prstGeom>
-          <a:solidFill>
-            <a:schemeClr val="bg1"/>
-          </a:solidFill>
-        </p:spPr>
-        <p:txBody>
-          <a:bodyPr wrap="none" lIns="0" tIns="0" rIns="0" bIns="0" rtlCol="0">
-            <a:spAutoFit/>
-          </a:bodyPr>
-          <a:lstStyle/>
-          <a:p>
-            <a:r>
-              <a:rPr lang="de-DE" sz="1400" dirty="0">
-                <a:latin typeface="Arial" panose="020B0604020202020204" pitchFamily="34" charset="0"/>
-                <a:cs typeface="Arial" panose="020B0604020202020204" pitchFamily="34" charset="0"/>
-              </a:rPr>
-              <a:t>𝛾51</a:t>
-            </a:r>
-          </a:p>
-        </p:txBody>
-      </p:sp>
-      <p:sp>
-        <p:nvSpPr>
-          <p:cNvPr id="109" name="Textfeld 108">
-            <a:extLst>
-              <a:ext uri="{FF2B5EF4-FFF2-40B4-BE49-F238E27FC236}">
-                <a16:creationId xmlns:a16="http://schemas.microsoft.com/office/drawing/2014/main" id="{5EBEE681-50D7-47C8-DC0E-4D4B7A51AA22}"/>
-              </a:ext>
-            </a:extLst>
-          </p:cNvPr>
-          <p:cNvSpPr txBox="1"/>
-          <p:nvPr/>
-        </p:nvSpPr>
-        <p:spPr>
-          <a:xfrm>
-            <a:off x="4767347" y="5291803"/>
-            <a:ext cx="293350" cy="215444"/>
-          </a:xfrm>
-          <a:prstGeom prst="rect">
-            <a:avLst/>
-          </a:prstGeom>
-          <a:solidFill>
-            <a:schemeClr val="bg1"/>
-          </a:solidFill>
-        </p:spPr>
-        <p:txBody>
-          <a:bodyPr wrap="none" lIns="0" tIns="0" rIns="0" bIns="0" rtlCol="0">
-            <a:spAutoFit/>
-          </a:bodyPr>
-          <a:lstStyle/>
-          <a:p>
-            <a:r>
-              <a:rPr lang="de-DE" sz="1400" dirty="0">
-                <a:latin typeface="Arial" panose="020B0604020202020204" pitchFamily="34" charset="0"/>
-                <a:cs typeface="Arial" panose="020B0604020202020204" pitchFamily="34" charset="0"/>
-              </a:rPr>
-              <a:t>𝛾61</a:t>
-            </a:r>
-          </a:p>
-        </p:txBody>
-      </p:sp>
-      <p:sp>
-        <p:nvSpPr>
-          <p:cNvPr id="110" name="Textfeld 109">
-            <a:extLst>
-              <a:ext uri="{FF2B5EF4-FFF2-40B4-BE49-F238E27FC236}">
-                <a16:creationId xmlns:a16="http://schemas.microsoft.com/office/drawing/2014/main" id="{58246167-F70C-3F0C-4F44-AC41094AC646}"/>
-              </a:ext>
-            </a:extLst>
-          </p:cNvPr>
-          <p:cNvSpPr txBox="1"/>
-          <p:nvPr/>
-        </p:nvSpPr>
-        <p:spPr>
-          <a:xfrm>
-            <a:off x="6507714" y="850089"/>
-            <a:ext cx="293350" cy="215444"/>
-          </a:xfrm>
-          <a:prstGeom prst="rect">
-            <a:avLst/>
-          </a:prstGeom>
-          <a:solidFill>
-            <a:schemeClr val="bg1"/>
-          </a:solidFill>
-        </p:spPr>
-        <p:txBody>
-          <a:bodyPr wrap="none" lIns="0" tIns="0" rIns="0" bIns="0" rtlCol="0">
-            <a:spAutoFit/>
-          </a:bodyPr>
-          <a:lstStyle/>
-          <a:p>
-            <a:r>
-              <a:rPr lang="de-DE" sz="1400" dirty="0">
-                <a:latin typeface="Arial" panose="020B0604020202020204" pitchFamily="34" charset="0"/>
-                <a:cs typeface="Arial" panose="020B0604020202020204" pitchFamily="34" charset="0"/>
-              </a:rPr>
-              <a:t>𝛾21</a:t>
-            </a:r>
-          </a:p>
-        </p:txBody>
-      </p:sp>
-      <p:sp>
-        <p:nvSpPr>
-          <p:cNvPr id="111" name="Textfeld 110">
-            <a:extLst>
-              <a:ext uri="{FF2B5EF4-FFF2-40B4-BE49-F238E27FC236}">
-                <a16:creationId xmlns:a16="http://schemas.microsoft.com/office/drawing/2014/main" id="{2AE639BF-345E-8C3C-3C68-9EBCEFAEF36F}"/>
-              </a:ext>
-            </a:extLst>
-          </p:cNvPr>
-          <p:cNvSpPr txBox="1"/>
-          <p:nvPr/>
-        </p:nvSpPr>
-        <p:spPr>
-          <a:xfrm>
-            <a:off x="6277933" y="1338209"/>
-            <a:ext cx="293350" cy="215444"/>
-          </a:xfrm>
-          <a:prstGeom prst="rect">
-            <a:avLst/>
-          </a:prstGeom>
-          <a:solidFill>
-            <a:schemeClr val="bg1"/>
-          </a:solidFill>
-        </p:spPr>
-        <p:txBody>
-          <a:bodyPr wrap="none" lIns="0" tIns="0" rIns="0" bIns="0" rtlCol="0">
-            <a:spAutoFit/>
-          </a:bodyPr>
-          <a:lstStyle/>
-          <a:p>
-            <a:r>
-              <a:rPr lang="de-DE" sz="1400" dirty="0">
-                <a:latin typeface="Arial" panose="020B0604020202020204" pitchFamily="34" charset="0"/>
-                <a:cs typeface="Arial" panose="020B0604020202020204" pitchFamily="34" charset="0"/>
-              </a:rPr>
-              <a:t>𝛾31</a:t>
-            </a:r>
-          </a:p>
-        </p:txBody>
-      </p:sp>
-      <p:grpSp>
-        <p:nvGrpSpPr>
-          <p:cNvPr id="137" name="Gruppieren 136">
-            <a:extLst>
-              <a:ext uri="{FF2B5EF4-FFF2-40B4-BE49-F238E27FC236}">
-                <a16:creationId xmlns:a16="http://schemas.microsoft.com/office/drawing/2014/main" id="{9D89CEC1-8139-B84E-FF0C-42A7BECC7505}"/>
-              </a:ext>
-            </a:extLst>
-          </p:cNvPr>
-          <p:cNvGrpSpPr/>
-          <p:nvPr/>
-        </p:nvGrpSpPr>
-        <p:grpSpPr>
-          <a:xfrm>
-            <a:off x="3858567" y="771286"/>
-            <a:ext cx="12700" cy="5285358"/>
-            <a:chOff x="3858567" y="771286"/>
-            <a:chExt cx="12700" cy="5285358"/>
-          </a:xfrm>
-        </p:grpSpPr>
-        <p:cxnSp>
-          <p:nvCxnSpPr>
-            <p:cNvPr id="113" name="Gekrümmte Verbindung 112">
-              <a:extLst>
-                <a:ext uri="{FF2B5EF4-FFF2-40B4-BE49-F238E27FC236}">
-                  <a16:creationId xmlns:a16="http://schemas.microsoft.com/office/drawing/2014/main" id="{95226F8D-04BC-4E65-D309-5467A299A7B7}"/>
-                </a:ext>
-              </a:extLst>
-            </p:cNvPr>
-            <p:cNvCxnSpPr>
-              <a:stCxn id="6" idx="1"/>
-              <a:endCxn id="10" idx="2"/>
-            </p:cNvCxnSpPr>
-            <p:nvPr/>
-          </p:nvCxnSpPr>
-          <p:spPr>
-            <a:xfrm rot="10800000" flipV="1">
-              <a:off x="3858567" y="771286"/>
-              <a:ext cx="12700" cy="1057072"/>
-            </a:xfrm>
-            <a:prstGeom prst="curvedConnector3">
-              <a:avLst>
-                <a:gd name="adj1" fmla="val 1800000"/>
-              </a:avLst>
-            </a:prstGeom>
-            <a:ln>
-              <a:solidFill>
-                <a:schemeClr val="tx1"/>
-              </a:solidFill>
-              <a:headEnd type="triangle"/>
-              <a:tailEnd type="triangle"/>
-            </a:ln>
-          </p:spPr>
-          <p:style>
-            <a:lnRef idx="1">
-              <a:schemeClr val="accent1"/>
-            </a:lnRef>
-            <a:fillRef idx="0">
-              <a:schemeClr val="accent1"/>
-            </a:fillRef>
-            <a:effectRef idx="0">
-              <a:schemeClr val="accent1"/>
-            </a:effectRef>
-            <a:fontRef idx="minor">
-              <a:schemeClr val="tx1"/>
-            </a:fontRef>
-          </p:style>
-        </p:cxnSp>
-        <p:cxnSp>
-          <p:nvCxnSpPr>
-            <p:cNvPr id="114" name="Gekrümmte Verbindung 113">
-              <a:extLst>
-                <a:ext uri="{FF2B5EF4-FFF2-40B4-BE49-F238E27FC236}">
-                  <a16:creationId xmlns:a16="http://schemas.microsoft.com/office/drawing/2014/main" id="{39EA10A6-411D-C6C4-8FAA-C166BD995BB6}"/>
-                </a:ext>
-              </a:extLst>
-            </p:cNvPr>
-            <p:cNvCxnSpPr>
-              <a:cxnSpLocks/>
-              <a:stCxn id="6" idx="1"/>
-              <a:endCxn id="7" idx="2"/>
-            </p:cNvCxnSpPr>
-            <p:nvPr/>
-          </p:nvCxnSpPr>
-          <p:spPr>
-            <a:xfrm rot="10800000" flipV="1">
-              <a:off x="3858567" y="771286"/>
-              <a:ext cx="12700" cy="2114144"/>
-            </a:xfrm>
-            <a:prstGeom prst="curvedConnector3">
-              <a:avLst>
-                <a:gd name="adj1" fmla="val 4529031"/>
-              </a:avLst>
-            </a:prstGeom>
-            <a:ln>
-              <a:solidFill>
-                <a:schemeClr val="tx1"/>
-              </a:solidFill>
-              <a:headEnd type="triangle"/>
-              <a:tailEnd type="triangle"/>
-            </a:ln>
-          </p:spPr>
-          <p:style>
-            <a:lnRef idx="1">
-              <a:schemeClr val="accent1"/>
-            </a:lnRef>
-            <a:fillRef idx="0">
-              <a:schemeClr val="accent1"/>
-            </a:fillRef>
-            <a:effectRef idx="0">
-              <a:schemeClr val="accent1"/>
-            </a:effectRef>
-            <a:fontRef idx="minor">
-              <a:schemeClr val="tx1"/>
-            </a:fontRef>
-          </p:style>
-        </p:cxnSp>
-        <p:cxnSp>
-          <p:nvCxnSpPr>
-            <p:cNvPr id="118" name="Gekrümmte Verbindung 117">
-              <a:extLst>
-                <a:ext uri="{FF2B5EF4-FFF2-40B4-BE49-F238E27FC236}">
-                  <a16:creationId xmlns:a16="http://schemas.microsoft.com/office/drawing/2014/main" id="{B075DF31-1C0F-E7F6-AAC7-74402039DF3D}"/>
-                </a:ext>
-              </a:extLst>
-            </p:cNvPr>
-            <p:cNvCxnSpPr>
-              <a:cxnSpLocks/>
-              <a:stCxn id="6" idx="1"/>
-              <a:endCxn id="9" idx="2"/>
-            </p:cNvCxnSpPr>
-            <p:nvPr/>
-          </p:nvCxnSpPr>
-          <p:spPr>
-            <a:xfrm rot="10800000" flipV="1">
-              <a:off x="3858567" y="771286"/>
-              <a:ext cx="12700" cy="3171216"/>
-            </a:xfrm>
-            <a:prstGeom prst="curvedConnector3">
-              <a:avLst>
-                <a:gd name="adj1" fmla="val 6967740"/>
-              </a:avLst>
-            </a:prstGeom>
-            <a:ln>
-              <a:solidFill>
-                <a:schemeClr val="tx1"/>
-              </a:solidFill>
-              <a:headEnd type="triangle"/>
-              <a:tailEnd type="triangle"/>
-            </a:ln>
-          </p:spPr>
-          <p:style>
-            <a:lnRef idx="1">
-              <a:schemeClr val="accent1"/>
-            </a:lnRef>
-            <a:fillRef idx="0">
-              <a:schemeClr val="accent1"/>
-            </a:fillRef>
-            <a:effectRef idx="0">
-              <a:schemeClr val="accent1"/>
-            </a:effectRef>
-            <a:fontRef idx="minor">
-              <a:schemeClr val="tx1"/>
-            </a:fontRef>
-          </p:style>
-        </p:cxnSp>
-        <p:cxnSp>
-          <p:nvCxnSpPr>
-            <p:cNvPr id="129" name="Gekrümmte Verbindung 128">
-              <a:extLst>
-                <a:ext uri="{FF2B5EF4-FFF2-40B4-BE49-F238E27FC236}">
-                  <a16:creationId xmlns:a16="http://schemas.microsoft.com/office/drawing/2014/main" id="{711CEE7E-22D6-2FE5-364B-410311E6C931}"/>
-                </a:ext>
-              </a:extLst>
-            </p:cNvPr>
-            <p:cNvCxnSpPr>
-              <a:cxnSpLocks/>
-              <a:stCxn id="6" idx="1"/>
-              <a:endCxn id="8" idx="2"/>
-            </p:cNvCxnSpPr>
-            <p:nvPr/>
-          </p:nvCxnSpPr>
-          <p:spPr>
-            <a:xfrm rot="10800000" flipV="1">
-              <a:off x="3858567" y="771286"/>
-              <a:ext cx="12700" cy="4228288"/>
-            </a:xfrm>
-            <a:prstGeom prst="curvedConnector3">
-              <a:avLst>
-                <a:gd name="adj1" fmla="val 9406457"/>
-              </a:avLst>
-            </a:prstGeom>
-            <a:ln>
-              <a:solidFill>
-                <a:schemeClr val="tx1"/>
-              </a:solidFill>
-              <a:headEnd type="triangle"/>
-              <a:tailEnd type="triangle"/>
-            </a:ln>
-          </p:spPr>
-          <p:style>
-            <a:lnRef idx="1">
-              <a:schemeClr val="accent1"/>
-            </a:lnRef>
-            <a:fillRef idx="0">
-              <a:schemeClr val="accent1"/>
-            </a:fillRef>
-            <a:effectRef idx="0">
-              <a:schemeClr val="accent1"/>
-            </a:effectRef>
-            <a:fontRef idx="minor">
-              <a:schemeClr val="tx1"/>
-            </a:fontRef>
-          </p:style>
-        </p:cxnSp>
-        <p:cxnSp>
-          <p:nvCxnSpPr>
-            <p:cNvPr id="133" name="Gekrümmte Verbindung 132">
-              <a:extLst>
-                <a:ext uri="{FF2B5EF4-FFF2-40B4-BE49-F238E27FC236}">
-                  <a16:creationId xmlns:a16="http://schemas.microsoft.com/office/drawing/2014/main" id="{705FE3DA-88BB-6A3F-907F-97B2119F1522}"/>
-                </a:ext>
-              </a:extLst>
-            </p:cNvPr>
-            <p:cNvCxnSpPr>
-              <a:cxnSpLocks/>
-              <a:stCxn id="6" idx="1"/>
-              <a:endCxn id="5" idx="2"/>
-            </p:cNvCxnSpPr>
-            <p:nvPr/>
-          </p:nvCxnSpPr>
-          <p:spPr>
-            <a:xfrm rot="10800000" flipV="1">
-              <a:off x="3858567" y="771286"/>
-              <a:ext cx="12700" cy="5285358"/>
-            </a:xfrm>
-            <a:prstGeom prst="curvedConnector3">
-              <a:avLst>
-                <a:gd name="adj1" fmla="val 12309677"/>
-              </a:avLst>
-            </a:prstGeom>
-            <a:ln>
-              <a:solidFill>
-                <a:schemeClr val="tx1"/>
-              </a:solidFill>
-              <a:headEnd type="triangle"/>
-              <a:tailEnd type="triangle"/>
-            </a:ln>
-          </p:spPr>
-          <p:style>
-            <a:lnRef idx="1">
-              <a:schemeClr val="accent1"/>
-            </a:lnRef>
-            <a:fillRef idx="0">
-              <a:schemeClr val="accent1"/>
-            </a:fillRef>
-            <a:effectRef idx="0">
-              <a:schemeClr val="accent1"/>
-            </a:effectRef>
-            <a:fontRef idx="minor">
-              <a:schemeClr val="tx1"/>
-            </a:fontRef>
-          </p:style>
-        </p:cxnSp>
-      </p:grpSp>
-      <p:grpSp>
-        <p:nvGrpSpPr>
-          <p:cNvPr id="138" name="Gruppieren 137">
-            <a:extLst>
-              <a:ext uri="{FF2B5EF4-FFF2-40B4-BE49-F238E27FC236}">
-                <a16:creationId xmlns:a16="http://schemas.microsoft.com/office/drawing/2014/main" id="{26481E44-442C-B318-3C12-BF54A2766ECD}"/>
-              </a:ext>
-            </a:extLst>
-          </p:cNvPr>
-          <p:cNvGrpSpPr/>
-          <p:nvPr/>
-        </p:nvGrpSpPr>
-        <p:grpSpPr>
-          <a:xfrm flipH="1">
-            <a:off x="8332638" y="771286"/>
-            <a:ext cx="12700" cy="5285358"/>
-            <a:chOff x="3858567" y="771286"/>
-            <a:chExt cx="12700" cy="5285358"/>
-          </a:xfrm>
-        </p:grpSpPr>
-        <p:cxnSp>
-          <p:nvCxnSpPr>
-            <p:cNvPr id="139" name="Gekrümmte Verbindung 138">
-              <a:extLst>
-                <a:ext uri="{FF2B5EF4-FFF2-40B4-BE49-F238E27FC236}">
-                  <a16:creationId xmlns:a16="http://schemas.microsoft.com/office/drawing/2014/main" id="{0D65229F-49CB-AB05-B2A2-2F12E1E0BE78}"/>
-                </a:ext>
-              </a:extLst>
-            </p:cNvPr>
-            <p:cNvCxnSpPr/>
-            <p:nvPr/>
-          </p:nvCxnSpPr>
-          <p:spPr>
-            <a:xfrm rot="10800000" flipV="1">
-              <a:off x="3858567" y="771286"/>
-              <a:ext cx="12700" cy="1057072"/>
-            </a:xfrm>
-            <a:prstGeom prst="curvedConnector3">
-              <a:avLst>
-                <a:gd name="adj1" fmla="val 1800000"/>
-              </a:avLst>
-            </a:prstGeom>
-            <a:ln>
-              <a:solidFill>
-                <a:schemeClr val="tx1"/>
-              </a:solidFill>
-              <a:headEnd type="triangle"/>
-              <a:tailEnd type="triangle"/>
-            </a:ln>
-          </p:spPr>
-          <p:style>
-            <a:lnRef idx="1">
-              <a:schemeClr val="accent1"/>
-            </a:lnRef>
-            <a:fillRef idx="0">
-              <a:schemeClr val="accent1"/>
-            </a:fillRef>
-            <a:effectRef idx="0">
-              <a:schemeClr val="accent1"/>
-            </a:effectRef>
-            <a:fontRef idx="minor">
-              <a:schemeClr val="tx1"/>
-            </a:fontRef>
-          </p:style>
-        </p:cxnSp>
-        <p:cxnSp>
-          <p:nvCxnSpPr>
-            <p:cNvPr id="140" name="Gekrümmte Verbindung 139">
-              <a:extLst>
-                <a:ext uri="{FF2B5EF4-FFF2-40B4-BE49-F238E27FC236}">
-                  <a16:creationId xmlns:a16="http://schemas.microsoft.com/office/drawing/2014/main" id="{EBC65D35-287A-0F41-D186-BE120FA34781}"/>
-                </a:ext>
-              </a:extLst>
-            </p:cNvPr>
-            <p:cNvCxnSpPr>
-              <a:cxnSpLocks/>
-            </p:cNvCxnSpPr>
-            <p:nvPr/>
-          </p:nvCxnSpPr>
-          <p:spPr>
-            <a:xfrm rot="10800000" flipV="1">
-              <a:off x="3858567" y="771286"/>
-              <a:ext cx="12700" cy="2114144"/>
-            </a:xfrm>
-            <a:prstGeom prst="curvedConnector3">
-              <a:avLst>
-                <a:gd name="adj1" fmla="val 4529031"/>
-              </a:avLst>
-            </a:prstGeom>
-            <a:ln>
-              <a:solidFill>
-                <a:schemeClr val="tx1"/>
-              </a:solidFill>
-              <a:headEnd type="triangle"/>
-              <a:tailEnd type="triangle"/>
-            </a:ln>
-          </p:spPr>
-          <p:style>
-            <a:lnRef idx="1">
-              <a:schemeClr val="accent1"/>
-            </a:lnRef>
-            <a:fillRef idx="0">
-              <a:schemeClr val="accent1"/>
-            </a:fillRef>
-            <a:effectRef idx="0">
-              <a:schemeClr val="accent1"/>
-            </a:effectRef>
-            <a:fontRef idx="minor">
-              <a:schemeClr val="tx1"/>
-            </a:fontRef>
-          </p:style>
-        </p:cxnSp>
-        <p:cxnSp>
-          <p:nvCxnSpPr>
-            <p:cNvPr id="141" name="Gekrümmte Verbindung 140">
-              <a:extLst>
-                <a:ext uri="{FF2B5EF4-FFF2-40B4-BE49-F238E27FC236}">
-                  <a16:creationId xmlns:a16="http://schemas.microsoft.com/office/drawing/2014/main" id="{CF8E15BB-7128-2996-FD07-6EEA1E605910}"/>
-                </a:ext>
-              </a:extLst>
-            </p:cNvPr>
-            <p:cNvCxnSpPr>
-              <a:cxnSpLocks/>
-            </p:cNvCxnSpPr>
-            <p:nvPr/>
-          </p:nvCxnSpPr>
-          <p:spPr>
-            <a:xfrm rot="10800000" flipV="1">
-              <a:off x="3858567" y="771286"/>
-              <a:ext cx="12700" cy="3171216"/>
-            </a:xfrm>
-            <a:prstGeom prst="curvedConnector3">
-              <a:avLst>
-                <a:gd name="adj1" fmla="val 6967740"/>
-              </a:avLst>
-            </a:prstGeom>
-            <a:ln>
-              <a:solidFill>
-                <a:schemeClr val="tx1"/>
-              </a:solidFill>
-              <a:headEnd type="triangle"/>
-              <a:tailEnd type="triangle"/>
-            </a:ln>
-          </p:spPr>
-          <p:style>
-            <a:lnRef idx="1">
-              <a:schemeClr val="accent1"/>
-            </a:lnRef>
-            <a:fillRef idx="0">
-              <a:schemeClr val="accent1"/>
-            </a:fillRef>
-            <a:effectRef idx="0">
-              <a:schemeClr val="accent1"/>
-            </a:effectRef>
-            <a:fontRef idx="minor">
-              <a:schemeClr val="tx1"/>
-            </a:fontRef>
-          </p:style>
-        </p:cxnSp>
-        <p:cxnSp>
-          <p:nvCxnSpPr>
-            <p:cNvPr id="142" name="Gekrümmte Verbindung 141">
-              <a:extLst>
-                <a:ext uri="{FF2B5EF4-FFF2-40B4-BE49-F238E27FC236}">
-                  <a16:creationId xmlns:a16="http://schemas.microsoft.com/office/drawing/2014/main" id="{FD439141-D7E1-CAFF-4B9A-295A228FD5C4}"/>
-                </a:ext>
-              </a:extLst>
-            </p:cNvPr>
-            <p:cNvCxnSpPr>
-              <a:cxnSpLocks/>
-            </p:cNvCxnSpPr>
-            <p:nvPr/>
-          </p:nvCxnSpPr>
-          <p:spPr>
-            <a:xfrm rot="10800000" flipV="1">
-              <a:off x="3858567" y="771286"/>
-              <a:ext cx="12700" cy="4228288"/>
-            </a:xfrm>
-            <a:prstGeom prst="curvedConnector3">
-              <a:avLst>
-                <a:gd name="adj1" fmla="val 9406457"/>
-              </a:avLst>
-            </a:prstGeom>
-            <a:ln>
-              <a:solidFill>
-                <a:schemeClr val="tx1"/>
-              </a:solidFill>
-              <a:headEnd type="triangle"/>
-              <a:tailEnd type="triangle"/>
-            </a:ln>
-          </p:spPr>
-          <p:style>
-            <a:lnRef idx="1">
-              <a:schemeClr val="accent1"/>
-            </a:lnRef>
-            <a:fillRef idx="0">
-              <a:schemeClr val="accent1"/>
-            </a:fillRef>
-            <a:effectRef idx="0">
-              <a:schemeClr val="accent1"/>
-            </a:effectRef>
-            <a:fontRef idx="minor">
-              <a:schemeClr val="tx1"/>
-            </a:fontRef>
-          </p:style>
-        </p:cxnSp>
-        <p:cxnSp>
-          <p:nvCxnSpPr>
-            <p:cNvPr id="143" name="Gekrümmte Verbindung 142">
-              <a:extLst>
-                <a:ext uri="{FF2B5EF4-FFF2-40B4-BE49-F238E27FC236}">
-                  <a16:creationId xmlns:a16="http://schemas.microsoft.com/office/drawing/2014/main" id="{CF52262A-0E7D-5AA9-D1B1-65BA2FC636FC}"/>
-                </a:ext>
-              </a:extLst>
-            </p:cNvPr>
-            <p:cNvCxnSpPr>
-              <a:cxnSpLocks/>
-            </p:cNvCxnSpPr>
-            <p:nvPr/>
-          </p:nvCxnSpPr>
-          <p:spPr>
-            <a:xfrm rot="10800000" flipV="1">
-              <a:off x="3858567" y="771286"/>
-              <a:ext cx="12700" cy="5285358"/>
-            </a:xfrm>
-            <a:prstGeom prst="curvedConnector3">
-              <a:avLst>
-                <a:gd name="adj1" fmla="val 12309677"/>
-              </a:avLst>
-            </a:prstGeom>
-            <a:ln>
-              <a:solidFill>
-                <a:schemeClr val="tx1"/>
-              </a:solidFill>
-              <a:headEnd type="triangle"/>
-              <a:tailEnd type="triangle"/>
-            </a:ln>
-          </p:spPr>
-          <p:style>
-            <a:lnRef idx="1">
-              <a:schemeClr val="accent1"/>
-            </a:lnRef>
-            <a:fillRef idx="0">
-              <a:schemeClr val="accent1"/>
-            </a:fillRef>
-            <a:effectRef idx="0">
-              <a:schemeClr val="accent1"/>
-            </a:effectRef>
-            <a:fontRef idx="minor">
-              <a:schemeClr val="tx1"/>
-            </a:fontRef>
-          </p:style>
-        </p:cxnSp>
-      </p:grpSp>
-      <p:sp>
-        <p:nvSpPr>
-          <p:cNvPr id="144" name="Textfeld 143">
-            <a:extLst>
-              <a:ext uri="{FF2B5EF4-FFF2-40B4-BE49-F238E27FC236}">
-                <a16:creationId xmlns:a16="http://schemas.microsoft.com/office/drawing/2014/main" id="{7F3E9272-2716-3118-6024-96D60EDB69AC}"/>
-              </a:ext>
-            </a:extLst>
-          </p:cNvPr>
-          <p:cNvSpPr txBox="1"/>
-          <p:nvPr/>
-        </p:nvSpPr>
-        <p:spPr>
-          <a:xfrm>
-            <a:off x="3537929" y="1225170"/>
-            <a:ext cx="222818" cy="215444"/>
-          </a:xfrm>
-          <a:prstGeom prst="rect">
-            <a:avLst/>
-          </a:prstGeom>
-          <a:solidFill>
-            <a:schemeClr val="bg1"/>
-          </a:solidFill>
-        </p:spPr>
-        <p:txBody>
-          <a:bodyPr wrap="none" lIns="0" tIns="0" rIns="0" bIns="0" rtlCol="0">
-            <a:spAutoFit/>
-          </a:bodyPr>
-          <a:lstStyle/>
-          <a:p>
-            <a:r>
-              <a:rPr lang="de-DE" sz="1400" dirty="0">
-                <a:latin typeface="Arial" panose="020B0604020202020204" pitchFamily="34" charset="0"/>
-                <a:cs typeface="Arial" panose="020B0604020202020204" pitchFamily="34" charset="0"/>
-              </a:rPr>
-              <a:t>𝜙2</a:t>
-            </a:r>
-          </a:p>
-        </p:txBody>
-      </p:sp>
-      <p:sp>
-        <p:nvSpPr>
-          <p:cNvPr id="145" name="Textfeld 144">
-            <a:extLst>
-              <a:ext uri="{FF2B5EF4-FFF2-40B4-BE49-F238E27FC236}">
-                <a16:creationId xmlns:a16="http://schemas.microsoft.com/office/drawing/2014/main" id="{D6FDFD4A-A615-543A-8ABA-950C2F015156}"/>
-              </a:ext>
-            </a:extLst>
-          </p:cNvPr>
-          <p:cNvSpPr txBox="1"/>
-          <p:nvPr/>
-        </p:nvSpPr>
-        <p:spPr>
-          <a:xfrm>
-            <a:off x="8435955" y="1192100"/>
-            <a:ext cx="200376" cy="215444"/>
-          </a:xfrm>
-          <a:prstGeom prst="rect">
-            <a:avLst/>
-          </a:prstGeom>
-          <a:solidFill>
-            <a:schemeClr val="bg1"/>
-          </a:solidFill>
-        </p:spPr>
-        <p:txBody>
-          <a:bodyPr wrap="none" lIns="0" tIns="0" rIns="0" bIns="0" rtlCol="0">
-            <a:spAutoFit/>
-          </a:bodyPr>
-          <a:lstStyle/>
-          <a:p>
-            <a:r>
-              <a:rPr lang="de-DE" sz="1400" dirty="0">
-                <a:latin typeface="Arial" panose="020B0604020202020204" pitchFamily="34" charset="0"/>
-                <a:cs typeface="Arial" panose="020B0604020202020204" pitchFamily="34" charset="0"/>
-              </a:rPr>
-              <a:t>𝜌2</a:t>
-            </a:r>
-          </a:p>
-        </p:txBody>
-      </p:sp>
-      <p:sp>
-        <p:nvSpPr>
-          <p:cNvPr id="146" name="Textfeld 145">
-            <a:extLst>
-              <a:ext uri="{FF2B5EF4-FFF2-40B4-BE49-F238E27FC236}">
-                <a16:creationId xmlns:a16="http://schemas.microsoft.com/office/drawing/2014/main" id="{C6C60D07-A24B-DDB6-45D1-50948FFBD16A}"/>
-              </a:ext>
-            </a:extLst>
-          </p:cNvPr>
-          <p:cNvSpPr txBox="1"/>
-          <p:nvPr/>
-        </p:nvSpPr>
-        <p:spPr>
-          <a:xfrm>
-            <a:off x="3227115" y="1833158"/>
-            <a:ext cx="222818" cy="215444"/>
-          </a:xfrm>
-          <a:prstGeom prst="rect">
-            <a:avLst/>
-          </a:prstGeom>
-          <a:solidFill>
-            <a:schemeClr val="bg1"/>
-          </a:solidFill>
-        </p:spPr>
-        <p:txBody>
-          <a:bodyPr wrap="none" lIns="0" tIns="0" rIns="0" bIns="0" rtlCol="0">
-            <a:spAutoFit/>
-          </a:bodyPr>
-          <a:lstStyle/>
-          <a:p>
-            <a:r>
-              <a:rPr lang="de-DE" sz="1400" dirty="0">
-                <a:latin typeface="Arial" panose="020B0604020202020204" pitchFamily="34" charset="0"/>
-                <a:cs typeface="Arial" panose="020B0604020202020204" pitchFamily="34" charset="0"/>
-              </a:rPr>
-              <a:t>𝜙3</a:t>
-            </a:r>
-          </a:p>
-        </p:txBody>
-      </p:sp>
-      <p:sp>
-        <p:nvSpPr>
-          <p:cNvPr id="147" name="Textfeld 146">
-            <a:extLst>
-              <a:ext uri="{FF2B5EF4-FFF2-40B4-BE49-F238E27FC236}">
-                <a16:creationId xmlns:a16="http://schemas.microsoft.com/office/drawing/2014/main" id="{F88C6E6C-781A-77A6-B31E-233AD0959044}"/>
-              </a:ext>
-            </a:extLst>
-          </p:cNvPr>
-          <p:cNvSpPr txBox="1"/>
-          <p:nvPr/>
-        </p:nvSpPr>
-        <p:spPr>
-          <a:xfrm>
-            <a:off x="2956866" y="2876759"/>
-            <a:ext cx="222818" cy="215444"/>
-          </a:xfrm>
-          <a:prstGeom prst="rect">
-            <a:avLst/>
-          </a:prstGeom>
-          <a:solidFill>
-            <a:schemeClr val="bg1"/>
-          </a:solidFill>
-        </p:spPr>
-        <p:txBody>
-          <a:bodyPr wrap="none" lIns="0" tIns="0" rIns="0" bIns="0" rtlCol="0">
-            <a:spAutoFit/>
-          </a:bodyPr>
-          <a:lstStyle/>
-          <a:p>
-            <a:r>
-              <a:rPr lang="de-DE" sz="1400" dirty="0">
-                <a:latin typeface="Arial" panose="020B0604020202020204" pitchFamily="34" charset="0"/>
-                <a:cs typeface="Arial" panose="020B0604020202020204" pitchFamily="34" charset="0"/>
-              </a:rPr>
-              <a:t>𝜙4</a:t>
-            </a:r>
-          </a:p>
-        </p:txBody>
-      </p:sp>
-      <p:sp>
-        <p:nvSpPr>
-          <p:cNvPr id="148" name="Textfeld 147">
-            <a:extLst>
-              <a:ext uri="{FF2B5EF4-FFF2-40B4-BE49-F238E27FC236}">
-                <a16:creationId xmlns:a16="http://schemas.microsoft.com/office/drawing/2014/main" id="{DE6C38FD-B4C6-7FBF-C159-064F1122F539}"/>
-              </a:ext>
-            </a:extLst>
-          </p:cNvPr>
-          <p:cNvSpPr txBox="1"/>
-          <p:nvPr/>
-        </p:nvSpPr>
-        <p:spPr>
-          <a:xfrm>
-            <a:off x="2735911" y="3834780"/>
-            <a:ext cx="222818" cy="215444"/>
-          </a:xfrm>
-          <a:prstGeom prst="rect">
-            <a:avLst/>
-          </a:prstGeom>
-          <a:solidFill>
-            <a:schemeClr val="bg1"/>
-          </a:solidFill>
-        </p:spPr>
-        <p:txBody>
-          <a:bodyPr wrap="square" lIns="0" tIns="0" rIns="0" bIns="0" rtlCol="0">
-            <a:spAutoFit/>
-          </a:bodyPr>
-          <a:lstStyle/>
-          <a:p>
-            <a:r>
-              <a:rPr lang="de-DE" sz="1400" dirty="0">
-                <a:latin typeface="Arial" panose="020B0604020202020204" pitchFamily="34" charset="0"/>
-                <a:cs typeface="Arial" panose="020B0604020202020204" pitchFamily="34" charset="0"/>
-              </a:rPr>
-              <a:t>𝜙5</a:t>
-            </a:r>
-          </a:p>
-        </p:txBody>
-      </p:sp>
-      <p:sp>
-        <p:nvSpPr>
-          <p:cNvPr id="149" name="Textfeld 148">
-            <a:extLst>
-              <a:ext uri="{FF2B5EF4-FFF2-40B4-BE49-F238E27FC236}">
-                <a16:creationId xmlns:a16="http://schemas.microsoft.com/office/drawing/2014/main" id="{A8FA995C-523D-BDE5-C591-ADE291D6F9C2}"/>
-              </a:ext>
-            </a:extLst>
-          </p:cNvPr>
-          <p:cNvSpPr txBox="1"/>
-          <p:nvPr/>
-        </p:nvSpPr>
-        <p:spPr>
-          <a:xfrm>
-            <a:off x="2513932" y="4863030"/>
-            <a:ext cx="222818" cy="215444"/>
-          </a:xfrm>
-          <a:prstGeom prst="rect">
-            <a:avLst/>
-          </a:prstGeom>
-          <a:solidFill>
-            <a:schemeClr val="bg1"/>
-          </a:solidFill>
-        </p:spPr>
-        <p:txBody>
-          <a:bodyPr wrap="none" lIns="0" tIns="0" rIns="0" bIns="0" rtlCol="0">
-            <a:spAutoFit/>
-          </a:bodyPr>
-          <a:lstStyle/>
-          <a:p>
-            <a:r>
-              <a:rPr lang="de-DE" sz="1400" dirty="0">
-                <a:latin typeface="Arial" panose="020B0604020202020204" pitchFamily="34" charset="0"/>
-                <a:cs typeface="Arial" panose="020B0604020202020204" pitchFamily="34" charset="0"/>
-              </a:rPr>
-              <a:t>𝜙6</a:t>
-            </a:r>
-          </a:p>
-        </p:txBody>
-      </p:sp>
-      <p:sp>
-        <p:nvSpPr>
-          <p:cNvPr id="150" name="Textfeld 149">
-            <a:extLst>
-              <a:ext uri="{FF2B5EF4-FFF2-40B4-BE49-F238E27FC236}">
-                <a16:creationId xmlns:a16="http://schemas.microsoft.com/office/drawing/2014/main" id="{76DF255A-750A-450E-B2E5-56D4D6A8F13E}"/>
-              </a:ext>
-            </a:extLst>
-          </p:cNvPr>
-          <p:cNvSpPr txBox="1"/>
-          <p:nvPr/>
-        </p:nvSpPr>
-        <p:spPr>
-          <a:xfrm flipH="1">
-            <a:off x="8759387" y="1833158"/>
-            <a:ext cx="222818" cy="215444"/>
-          </a:xfrm>
-          <a:prstGeom prst="rect">
-            <a:avLst/>
-          </a:prstGeom>
-          <a:solidFill>
-            <a:schemeClr val="bg1"/>
-          </a:solidFill>
-        </p:spPr>
-        <p:txBody>
-          <a:bodyPr wrap="square" lIns="0" tIns="0" rIns="0" bIns="0" rtlCol="0">
-            <a:spAutoFit/>
-          </a:bodyPr>
-          <a:lstStyle/>
-          <a:p>
-            <a:r>
-              <a:rPr lang="de-DE" sz="1400" dirty="0">
-                <a:latin typeface="Arial" panose="020B0604020202020204" pitchFamily="34" charset="0"/>
-                <a:cs typeface="Arial" panose="020B0604020202020204" pitchFamily="34" charset="0"/>
-              </a:rPr>
-              <a:t>𝜌3</a:t>
-            </a:r>
-          </a:p>
-        </p:txBody>
-      </p:sp>
-      <p:sp>
-        <p:nvSpPr>
-          <p:cNvPr id="151" name="Textfeld 150">
-            <a:extLst>
-              <a:ext uri="{FF2B5EF4-FFF2-40B4-BE49-F238E27FC236}">
-                <a16:creationId xmlns:a16="http://schemas.microsoft.com/office/drawing/2014/main" id="{76D6601E-B766-2033-4EBC-C9EAC098D9AC}"/>
-              </a:ext>
-            </a:extLst>
-          </p:cNvPr>
-          <p:cNvSpPr txBox="1"/>
-          <p:nvPr/>
-        </p:nvSpPr>
-        <p:spPr>
-          <a:xfrm flipH="1">
-            <a:off x="9036122" y="2769037"/>
-            <a:ext cx="200376" cy="215444"/>
-          </a:xfrm>
-          <a:prstGeom prst="rect">
-            <a:avLst/>
-          </a:prstGeom>
-          <a:solidFill>
-            <a:schemeClr val="bg1"/>
-          </a:solidFill>
-        </p:spPr>
-        <p:txBody>
-          <a:bodyPr wrap="none" lIns="0" tIns="0" rIns="0" bIns="0" rtlCol="0">
-            <a:spAutoFit/>
-          </a:bodyPr>
-          <a:lstStyle/>
-          <a:p>
-            <a:r>
-              <a:rPr lang="de-DE" sz="1400" dirty="0">
-                <a:latin typeface="Arial" panose="020B0604020202020204" pitchFamily="34" charset="0"/>
-                <a:cs typeface="Arial" panose="020B0604020202020204" pitchFamily="34" charset="0"/>
-              </a:rPr>
-              <a:t>𝜌4</a:t>
-            </a:r>
-          </a:p>
-        </p:txBody>
-      </p:sp>
-      <p:sp>
-        <p:nvSpPr>
-          <p:cNvPr id="153" name="Textfeld 152">
-            <a:extLst>
-              <a:ext uri="{FF2B5EF4-FFF2-40B4-BE49-F238E27FC236}">
-                <a16:creationId xmlns:a16="http://schemas.microsoft.com/office/drawing/2014/main" id="{6283F927-3FE8-6A81-5225-30A4BD3CC966}"/>
-              </a:ext>
-            </a:extLst>
-          </p:cNvPr>
-          <p:cNvSpPr txBox="1"/>
-          <p:nvPr/>
-        </p:nvSpPr>
-        <p:spPr>
-          <a:xfrm flipH="1">
-            <a:off x="9184169" y="3834780"/>
-            <a:ext cx="222818" cy="215444"/>
-          </a:xfrm>
-          <a:prstGeom prst="rect">
-            <a:avLst/>
-          </a:prstGeom>
-          <a:solidFill>
-            <a:schemeClr val="bg1"/>
-          </a:solidFill>
-        </p:spPr>
-        <p:txBody>
-          <a:bodyPr wrap="square" lIns="0" tIns="0" rIns="0" bIns="0" rtlCol="0">
-            <a:spAutoFit/>
-          </a:bodyPr>
-          <a:lstStyle/>
-          <a:p>
-            <a:r>
-              <a:rPr lang="de-DE" sz="1400" dirty="0">
-                <a:latin typeface="Arial" panose="020B0604020202020204" pitchFamily="34" charset="0"/>
-                <a:cs typeface="Arial" panose="020B0604020202020204" pitchFamily="34" charset="0"/>
-              </a:rPr>
-              <a:t>𝜌5</a:t>
-            </a:r>
-          </a:p>
-        </p:txBody>
-      </p:sp>
-      <p:sp>
-        <p:nvSpPr>
-          <p:cNvPr id="154" name="Textfeld 153">
-            <a:extLst>
-              <a:ext uri="{FF2B5EF4-FFF2-40B4-BE49-F238E27FC236}">
-                <a16:creationId xmlns:a16="http://schemas.microsoft.com/office/drawing/2014/main" id="{D0453363-2DAF-D435-CE05-D5EB4AF9FCA2}"/>
-              </a:ext>
-            </a:extLst>
-          </p:cNvPr>
-          <p:cNvSpPr txBox="1"/>
-          <p:nvPr/>
-        </p:nvSpPr>
-        <p:spPr>
-          <a:xfrm flipH="1">
-            <a:off x="9455250" y="4863030"/>
-            <a:ext cx="200376" cy="215444"/>
-          </a:xfrm>
-          <a:prstGeom prst="rect">
-            <a:avLst/>
-          </a:prstGeom>
-          <a:solidFill>
-            <a:schemeClr val="bg1"/>
-          </a:solidFill>
-        </p:spPr>
-        <p:txBody>
-          <a:bodyPr wrap="none" lIns="0" tIns="0" rIns="0" bIns="0" rtlCol="0">
-            <a:spAutoFit/>
-          </a:bodyPr>
-          <a:lstStyle/>
-          <a:p>
-            <a:r>
-              <a:rPr lang="de-DE" sz="1400" dirty="0">
-                <a:latin typeface="Arial" panose="020B0604020202020204" pitchFamily="34" charset="0"/>
-                <a:cs typeface="Arial" panose="020B0604020202020204" pitchFamily="34" charset="0"/>
-              </a:rPr>
-              <a:t>𝜌6</a:t>
-            </a:r>
-          </a:p>
-        </p:txBody>
-      </p:sp>
-    </p:spTree>
-    <p:extLst>
-      <p:ext uri="{BB962C8B-B14F-4D97-AF65-F5344CB8AC3E}">
-        <p14:creationId xmlns:p14="http://schemas.microsoft.com/office/powerpoint/2010/main" val="3628931539"/>
-      </p:ext>
-    </p:extLst>
-  </p:cSld>
-  <p:clrMapOvr>
-    <a:masterClrMapping/>
-  </p:clrMapOvr>
-</p:sld>
-</file>
-
-<file path=ppt/slides/slide3.xml><?xml version="1.0" encoding="utf-8"?>
-<p:sld xmlns:a="http://schemas.openxmlformats.org/drawingml/2006/main" xmlns:r="http://schemas.openxmlformats.org/officeDocument/2006/relationships" xmlns:p="http://schemas.openxmlformats.org/presentationml/2006/main">
-  <p:cSld>
-    <p:spTree>
-      <p:nvGrpSpPr>
-        <p:cNvPr id="1" name=""/>
-        <p:cNvGrpSpPr/>
-        <p:nvPr/>
-      </p:nvGrpSpPr>
-      <p:grpSpPr>
-        <a:xfrm>
-          <a:off x="0" y="0"/>
-          <a:ext cx="0" cy="0"/>
-          <a:chOff x="0" y="0"/>
-          <a:chExt cx="0" cy="0"/>
-        </a:xfrm>
-      </p:grpSpPr>
-      <p:grpSp>
-        <p:nvGrpSpPr>
-          <p:cNvPr id="55" name="Gruppieren 54">
-            <a:extLst>
-              <a:ext uri="{FF2B5EF4-FFF2-40B4-BE49-F238E27FC236}">
-                <a16:creationId xmlns:a16="http://schemas.microsoft.com/office/drawing/2014/main" id="{A43F61A1-056F-A46F-9BD5-76A21B718AD7}"/>
-              </a:ext>
-            </a:extLst>
-          </p:cNvPr>
-          <p:cNvGrpSpPr>
-            <a:grpSpLocks/>
-          </p:cNvGrpSpPr>
-          <p:nvPr/>
-        </p:nvGrpSpPr>
-        <p:grpSpPr>
-          <a:xfrm>
-            <a:off x="2836830" y="-2"/>
-            <a:ext cx="2160000" cy="360000"/>
-            <a:chOff x="3858567" y="314084"/>
-            <a:chExt cx="4474863" cy="914402"/>
-          </a:xfrm>
-        </p:grpSpPr>
-        <p:sp>
-          <p:nvSpPr>
-            <p:cNvPr id="57" name="Rechteck 56">
-              <a:extLst>
-                <a:ext uri="{FF2B5EF4-FFF2-40B4-BE49-F238E27FC236}">
-                  <a16:creationId xmlns:a16="http://schemas.microsoft.com/office/drawing/2014/main" id="{06B5067A-152E-1F71-1DD6-9639732863C4}"/>
-                </a:ext>
-              </a:extLst>
-            </p:cNvPr>
-            <p:cNvSpPr/>
-            <p:nvPr/>
-          </p:nvSpPr>
-          <p:spPr>
-            <a:xfrm>
-              <a:off x="3858567" y="314087"/>
-              <a:ext cx="914399" cy="914399"/>
-            </a:xfrm>
-            <a:prstGeom prst="rect">
-              <a:avLst/>
-            </a:prstGeom>
-            <a:noFill/>
-            <a:ln>
-              <a:solidFill>
-                <a:schemeClr val="tx1"/>
-              </a:solidFill>
-            </a:ln>
-          </p:spPr>
-          <p:style>
-            <a:lnRef idx="2">
-              <a:schemeClr val="accent1">
-                <a:shade val="50000"/>
-              </a:schemeClr>
-            </a:lnRef>
-            <a:fillRef idx="1">
-              <a:schemeClr val="accent1"/>
-            </a:fillRef>
-            <a:effectRef idx="0">
-              <a:schemeClr val="accent1"/>
-            </a:effectRef>
-            <a:fontRef idx="minor">
-              <a:schemeClr val="lt1"/>
-            </a:fontRef>
-          </p:style>
-          <p:txBody>
-            <a:bodyPr wrap="none" rtlCol="0" anchor="ctr"/>
-            <a:lstStyle/>
-            <a:p>
-              <a:pPr algn="ctr"/>
-              <a:r>
-                <a:rPr lang="de-DE" sz="1000" dirty="0">
-                  <a:solidFill>
-                    <a:schemeClr val="tx1"/>
-                  </a:solidFill>
-                  <a:latin typeface="Arial" panose="020B0604020202020204" pitchFamily="34" charset="0"/>
-                  <a:cs typeface="Arial" panose="020B0604020202020204" pitchFamily="34" charset="0"/>
-                </a:rPr>
-                <a:t>GRD1</a:t>
-              </a:r>
-            </a:p>
-          </p:txBody>
-        </p:sp>
-        <p:sp>
-          <p:nvSpPr>
-            <p:cNvPr id="58" name="Oval 57">
-              <a:extLst>
-                <a:ext uri="{FF2B5EF4-FFF2-40B4-BE49-F238E27FC236}">
-                  <a16:creationId xmlns:a16="http://schemas.microsoft.com/office/drawing/2014/main" id="{5B55FF37-CE4F-E9E8-35F0-50779BE1E85D}"/>
-                </a:ext>
-              </a:extLst>
-            </p:cNvPr>
-            <p:cNvSpPr/>
-            <p:nvPr/>
-          </p:nvSpPr>
-          <p:spPr>
-            <a:xfrm>
-              <a:off x="7419031" y="314084"/>
-              <a:ext cx="914399" cy="914402"/>
-            </a:xfrm>
-            <a:prstGeom prst="ellipse">
-              <a:avLst/>
-            </a:prstGeom>
-            <a:noFill/>
-            <a:ln>
-              <a:solidFill>
-                <a:schemeClr val="tx1"/>
-              </a:solidFill>
-            </a:ln>
-          </p:spPr>
-          <p:style>
-            <a:lnRef idx="2">
-              <a:schemeClr val="accent1">
-                <a:shade val="50000"/>
-              </a:schemeClr>
-            </a:lnRef>
-            <a:fillRef idx="1">
-              <a:schemeClr val="accent1"/>
-            </a:fillRef>
-            <a:effectRef idx="0">
-              <a:schemeClr val="accent1"/>
-            </a:effectRef>
-            <a:fontRef idx="minor">
-              <a:schemeClr val="lt1"/>
-            </a:fontRef>
-          </p:style>
-          <p:txBody>
-            <a:bodyPr wrap="none" rtlCol="0" anchor="ctr"/>
-            <a:lstStyle/>
-            <a:p>
-              <a:pPr algn="ctr"/>
-              <a:r>
-                <a:rPr lang="de-DE" sz="1000" dirty="0">
-                  <a:solidFill>
-                    <a:schemeClr val="tx1"/>
-                  </a:solidFill>
-                  <a:latin typeface="Arial" panose="020B0604020202020204" pitchFamily="34" charset="0"/>
-                  <a:cs typeface="Arial" panose="020B0604020202020204" pitchFamily="34" charset="0"/>
-                </a:rPr>
-                <a:t>ΔGRD</a:t>
-              </a:r>
-            </a:p>
-          </p:txBody>
-        </p:sp>
-        <p:cxnSp>
-          <p:nvCxnSpPr>
-            <p:cNvPr id="60" name="Gerade Verbindung mit Pfeil 59">
-              <a:extLst>
-                <a:ext uri="{FF2B5EF4-FFF2-40B4-BE49-F238E27FC236}">
-                  <a16:creationId xmlns:a16="http://schemas.microsoft.com/office/drawing/2014/main" id="{FF4510A9-0F5E-7531-A555-4D00DF84A383}"/>
-                </a:ext>
-              </a:extLst>
-            </p:cNvPr>
-            <p:cNvCxnSpPr>
-              <a:cxnSpLocks/>
-              <a:stCxn id="57" idx="3"/>
-              <a:endCxn id="58" idx="2"/>
-            </p:cNvCxnSpPr>
-            <p:nvPr/>
-          </p:nvCxnSpPr>
-          <p:spPr>
-            <a:xfrm>
-              <a:off x="4772966" y="771286"/>
-              <a:ext cx="2646065" cy="0"/>
-            </a:xfrm>
-            <a:prstGeom prst="straightConnector1">
-              <a:avLst/>
-            </a:prstGeom>
-            <a:ln w="12700">
-              <a:solidFill>
-                <a:schemeClr val="tx1"/>
-              </a:solidFill>
-              <a:tailEnd type="triangle"/>
-            </a:ln>
-          </p:spPr>
-          <p:style>
-            <a:lnRef idx="1">
-              <a:schemeClr val="accent1"/>
-            </a:lnRef>
-            <a:fillRef idx="0">
-              <a:schemeClr val="accent1"/>
-            </a:fillRef>
-            <a:effectRef idx="0">
-              <a:schemeClr val="accent1"/>
-            </a:effectRef>
-            <a:fontRef idx="minor">
-              <a:schemeClr val="tx1"/>
-            </a:fontRef>
-          </p:style>
-        </p:cxnSp>
-      </p:grpSp>
-      <p:cxnSp>
-        <p:nvCxnSpPr>
-          <p:cNvPr id="112" name="Gerade Verbindung 111">
-            <a:extLst>
-              <a:ext uri="{FF2B5EF4-FFF2-40B4-BE49-F238E27FC236}">
-                <a16:creationId xmlns:a16="http://schemas.microsoft.com/office/drawing/2014/main" id="{05FF4B69-EC03-5F51-07C6-EF619C431417}"/>
-              </a:ext>
-            </a:extLst>
-          </p:cNvPr>
-          <p:cNvCxnSpPr>
-            <a:cxnSpLocks/>
-          </p:cNvCxnSpPr>
-          <p:nvPr/>
-        </p:nvCxnSpPr>
-        <p:spPr>
-          <a:xfrm>
-            <a:off x="2118886" y="0"/>
-            <a:ext cx="0" cy="6858000"/>
-          </a:xfrm>
-          <a:prstGeom prst="line">
-            <a:avLst/>
-          </a:prstGeom>
-        </p:spPr>
-        <p:style>
-          <a:lnRef idx="1">
-            <a:schemeClr val="accent1"/>
-          </a:lnRef>
-          <a:fillRef idx="0">
-            <a:schemeClr val="accent1"/>
-          </a:fillRef>
-          <a:effectRef idx="0">
-            <a:schemeClr val="accent1"/>
-          </a:effectRef>
-          <a:fontRef idx="minor">
-            <a:schemeClr val="tx1"/>
-          </a:fontRef>
-        </p:style>
-      </p:cxnSp>
-      <p:cxnSp>
-        <p:nvCxnSpPr>
-          <p:cNvPr id="124" name="Gerade Verbindung 123">
-            <a:extLst>
-              <a:ext uri="{FF2B5EF4-FFF2-40B4-BE49-F238E27FC236}">
-                <a16:creationId xmlns:a16="http://schemas.microsoft.com/office/drawing/2014/main" id="{46DFE9F5-9FC5-9AC5-90D8-3D1BBFAF6918}"/>
-              </a:ext>
-            </a:extLst>
-          </p:cNvPr>
-          <p:cNvCxnSpPr>
-            <a:cxnSpLocks/>
-          </p:cNvCxnSpPr>
-          <p:nvPr/>
-        </p:nvCxnSpPr>
-        <p:spPr>
-          <a:xfrm>
-            <a:off x="2611821" y="0"/>
-            <a:ext cx="0" cy="6858000"/>
-          </a:xfrm>
-          <a:prstGeom prst="line">
-            <a:avLst/>
-          </a:prstGeom>
-        </p:spPr>
-        <p:style>
-          <a:lnRef idx="1">
-            <a:schemeClr val="accent1"/>
-          </a:lnRef>
-          <a:fillRef idx="0">
-            <a:schemeClr val="accent1"/>
-          </a:fillRef>
-          <a:effectRef idx="0">
-            <a:schemeClr val="accent1"/>
-          </a:effectRef>
-          <a:fontRef idx="minor">
-            <a:schemeClr val="tx1"/>
-          </a:fontRef>
-        </p:style>
-      </p:cxnSp>
-      <p:cxnSp>
-        <p:nvCxnSpPr>
-          <p:cNvPr id="125" name="Gerade Verbindung 124">
-            <a:extLst>
-              <a:ext uri="{FF2B5EF4-FFF2-40B4-BE49-F238E27FC236}">
-                <a16:creationId xmlns:a16="http://schemas.microsoft.com/office/drawing/2014/main" id="{CF455E21-1F94-9EF1-4D57-9AC7F4C393BC}"/>
-              </a:ext>
-            </a:extLst>
-          </p:cNvPr>
-          <p:cNvCxnSpPr>
-            <a:cxnSpLocks/>
-          </p:cNvCxnSpPr>
-          <p:nvPr/>
-        </p:nvCxnSpPr>
-        <p:spPr>
-          <a:xfrm>
-            <a:off x="1621746" y="0"/>
-            <a:ext cx="0" cy="6858000"/>
-          </a:xfrm>
-          <a:prstGeom prst="line">
-            <a:avLst/>
-          </a:prstGeom>
-        </p:spPr>
-        <p:style>
-          <a:lnRef idx="1">
-            <a:schemeClr val="accent1"/>
-          </a:lnRef>
-          <a:fillRef idx="0">
-            <a:schemeClr val="accent1"/>
-          </a:fillRef>
-          <a:effectRef idx="0">
-            <a:schemeClr val="accent1"/>
-          </a:effectRef>
-          <a:fontRef idx="minor">
-            <a:schemeClr val="tx1"/>
-          </a:fontRef>
-        </p:style>
-      </p:cxnSp>
-      <p:cxnSp>
-        <p:nvCxnSpPr>
-          <p:cNvPr id="126" name="Gerade Verbindung 125">
-            <a:extLst>
-              <a:ext uri="{FF2B5EF4-FFF2-40B4-BE49-F238E27FC236}">
-                <a16:creationId xmlns:a16="http://schemas.microsoft.com/office/drawing/2014/main" id="{89E8604D-CC7F-6543-782D-EE770E28FBFD}"/>
-              </a:ext>
-            </a:extLst>
-          </p:cNvPr>
-          <p:cNvCxnSpPr>
-            <a:cxnSpLocks/>
-          </p:cNvCxnSpPr>
-          <p:nvPr/>
-        </p:nvCxnSpPr>
-        <p:spPr>
-          <a:xfrm>
-            <a:off x="2114681" y="0"/>
-            <a:ext cx="0" cy="6858000"/>
-          </a:xfrm>
-          <a:prstGeom prst="line">
-            <a:avLst/>
-          </a:prstGeom>
-        </p:spPr>
-        <p:style>
-          <a:lnRef idx="1">
-            <a:schemeClr val="accent1"/>
-          </a:lnRef>
-          <a:fillRef idx="0">
-            <a:schemeClr val="accent1"/>
-          </a:fillRef>
-          <a:effectRef idx="0">
-            <a:schemeClr val="accent1"/>
-          </a:effectRef>
-          <a:fontRef idx="minor">
-            <a:schemeClr val="tx1"/>
-          </a:fontRef>
-        </p:style>
-      </p:cxnSp>
-      <p:grpSp>
-        <p:nvGrpSpPr>
-          <p:cNvPr id="5" name="Gruppieren 4">
-            <a:extLst>
-              <a:ext uri="{FF2B5EF4-FFF2-40B4-BE49-F238E27FC236}">
-                <a16:creationId xmlns:a16="http://schemas.microsoft.com/office/drawing/2014/main" id="{B6EE2834-336A-B393-80B1-570F9B35B3B6}"/>
-              </a:ext>
-            </a:extLst>
-          </p:cNvPr>
-          <p:cNvGrpSpPr>
-            <a:grpSpLocks/>
-          </p:cNvGrpSpPr>
-          <p:nvPr/>
-        </p:nvGrpSpPr>
-        <p:grpSpPr>
-          <a:xfrm>
-            <a:off x="2836830" y="539997"/>
-            <a:ext cx="2160000" cy="360000"/>
-            <a:chOff x="3858567" y="314084"/>
-            <a:chExt cx="4474863" cy="914402"/>
-          </a:xfrm>
-        </p:grpSpPr>
-        <p:sp>
-          <p:nvSpPr>
-            <p:cNvPr id="6" name="Rechteck 5">
-              <a:extLst>
-                <a:ext uri="{FF2B5EF4-FFF2-40B4-BE49-F238E27FC236}">
-                  <a16:creationId xmlns:a16="http://schemas.microsoft.com/office/drawing/2014/main" id="{45D6706E-C0CF-526B-FB8B-B34D4989387C}"/>
-                </a:ext>
-              </a:extLst>
-            </p:cNvPr>
-            <p:cNvSpPr/>
-            <p:nvPr/>
-          </p:nvSpPr>
-          <p:spPr>
-            <a:xfrm>
-              <a:off x="3858567" y="314087"/>
-              <a:ext cx="914399" cy="914399"/>
-            </a:xfrm>
-            <a:prstGeom prst="rect">
-              <a:avLst/>
-            </a:prstGeom>
-            <a:noFill/>
-            <a:ln>
-              <a:solidFill>
-                <a:schemeClr val="tx1"/>
-              </a:solidFill>
-            </a:ln>
-          </p:spPr>
-          <p:style>
-            <a:lnRef idx="2">
-              <a:schemeClr val="accent1">
-                <a:shade val="50000"/>
-              </a:schemeClr>
-            </a:lnRef>
-            <a:fillRef idx="1">
-              <a:schemeClr val="accent1"/>
-            </a:fillRef>
-            <a:effectRef idx="0">
-              <a:schemeClr val="accent1"/>
-            </a:effectRef>
-            <a:fontRef idx="minor">
-              <a:schemeClr val="lt1"/>
-            </a:fontRef>
-          </p:style>
-          <p:txBody>
-            <a:bodyPr wrap="none" rtlCol="0" anchor="ctr"/>
-            <a:lstStyle/>
-            <a:p>
-              <a:pPr algn="ctr"/>
-              <a:r>
-                <a:rPr lang="de-DE" sz="1000" dirty="0">
-                  <a:solidFill>
-                    <a:schemeClr val="tx1"/>
-                  </a:solidFill>
-                  <a:latin typeface="Arial" panose="020B0604020202020204" pitchFamily="34" charset="0"/>
-                  <a:cs typeface="Arial" panose="020B0604020202020204" pitchFamily="34" charset="0"/>
-                </a:rPr>
-                <a:t>ASC1</a:t>
-              </a:r>
-            </a:p>
-          </p:txBody>
-        </p:sp>
-        <p:sp>
-          <p:nvSpPr>
-            <p:cNvPr id="7" name="Oval 6">
-              <a:extLst>
-                <a:ext uri="{FF2B5EF4-FFF2-40B4-BE49-F238E27FC236}">
-                  <a16:creationId xmlns:a16="http://schemas.microsoft.com/office/drawing/2014/main" id="{81FF277B-C5E7-E81D-72BB-A79E858A1A94}"/>
-                </a:ext>
-              </a:extLst>
-            </p:cNvPr>
-            <p:cNvSpPr/>
-            <p:nvPr/>
-          </p:nvSpPr>
-          <p:spPr>
-            <a:xfrm>
-              <a:off x="7419031" y="314084"/>
-              <a:ext cx="914399" cy="914402"/>
-            </a:xfrm>
-            <a:prstGeom prst="ellipse">
-              <a:avLst/>
-            </a:prstGeom>
-            <a:noFill/>
-            <a:ln>
-              <a:solidFill>
-                <a:schemeClr val="tx1"/>
-              </a:solidFill>
-            </a:ln>
-          </p:spPr>
-          <p:style>
-            <a:lnRef idx="2">
-              <a:schemeClr val="accent1">
-                <a:shade val="50000"/>
-              </a:schemeClr>
-            </a:lnRef>
-            <a:fillRef idx="1">
-              <a:schemeClr val="accent1"/>
-            </a:fillRef>
-            <a:effectRef idx="0">
-              <a:schemeClr val="accent1"/>
-            </a:effectRef>
-            <a:fontRef idx="minor">
-              <a:schemeClr val="lt1"/>
-            </a:fontRef>
-          </p:style>
-          <p:txBody>
-            <a:bodyPr wrap="none" rtlCol="0" anchor="ctr"/>
-            <a:lstStyle/>
-            <a:p>
-              <a:pPr algn="ctr"/>
-              <a:r>
-                <a:rPr lang="de-DE" sz="1000" dirty="0">
-                  <a:solidFill>
-                    <a:schemeClr val="tx1"/>
-                  </a:solidFill>
-                  <a:latin typeface="Arial" panose="020B0604020202020204" pitchFamily="34" charset="0"/>
-                  <a:cs typeface="Arial" panose="020B0604020202020204" pitchFamily="34" charset="0"/>
-                </a:rPr>
-                <a:t>ΔASC</a:t>
-              </a:r>
-            </a:p>
-          </p:txBody>
-        </p:sp>
-        <p:cxnSp>
-          <p:nvCxnSpPr>
-            <p:cNvPr id="8" name="Gerade Verbindung mit Pfeil 7">
-              <a:extLst>
-                <a:ext uri="{FF2B5EF4-FFF2-40B4-BE49-F238E27FC236}">
-                  <a16:creationId xmlns:a16="http://schemas.microsoft.com/office/drawing/2014/main" id="{82209237-7B11-09DD-FF6B-A140D34456CD}"/>
-                </a:ext>
-              </a:extLst>
-            </p:cNvPr>
-            <p:cNvCxnSpPr>
-              <a:cxnSpLocks/>
-              <a:stCxn id="6" idx="3"/>
-              <a:endCxn id="7" idx="2"/>
-            </p:cNvCxnSpPr>
-            <p:nvPr/>
-          </p:nvCxnSpPr>
-          <p:spPr>
-            <a:xfrm>
-              <a:off x="4772966" y="771286"/>
-              <a:ext cx="2646065" cy="0"/>
-            </a:xfrm>
-            <a:prstGeom prst="straightConnector1">
-              <a:avLst/>
-            </a:prstGeom>
-            <a:ln w="12700">
-              <a:solidFill>
-                <a:schemeClr val="tx1"/>
-              </a:solidFill>
-              <a:tailEnd type="triangle"/>
-            </a:ln>
-          </p:spPr>
-          <p:style>
-            <a:lnRef idx="1">
-              <a:schemeClr val="accent1"/>
-            </a:lnRef>
-            <a:fillRef idx="0">
-              <a:schemeClr val="accent1"/>
-            </a:fillRef>
-            <a:effectRef idx="0">
-              <a:schemeClr val="accent1"/>
-            </a:effectRef>
-            <a:fontRef idx="minor">
-              <a:schemeClr val="tx1"/>
-            </a:fontRef>
-          </p:style>
-        </p:cxnSp>
-      </p:grpSp>
-      <p:grpSp>
-        <p:nvGrpSpPr>
-          <p:cNvPr id="9" name="Gruppieren 8">
-            <a:extLst>
-              <a:ext uri="{FF2B5EF4-FFF2-40B4-BE49-F238E27FC236}">
-                <a16:creationId xmlns:a16="http://schemas.microsoft.com/office/drawing/2014/main" id="{4AA15248-A702-9C49-B96C-AEF053F81214}"/>
-              </a:ext>
-            </a:extLst>
-          </p:cNvPr>
-          <p:cNvGrpSpPr>
-            <a:grpSpLocks/>
-          </p:cNvGrpSpPr>
-          <p:nvPr/>
-        </p:nvGrpSpPr>
-        <p:grpSpPr>
-          <a:xfrm>
-            <a:off x="2836830" y="1079995"/>
-            <a:ext cx="2160000" cy="360000"/>
-            <a:chOff x="3858567" y="314084"/>
-            <a:chExt cx="4474863" cy="914402"/>
-          </a:xfrm>
-        </p:grpSpPr>
-        <p:sp>
-          <p:nvSpPr>
-            <p:cNvPr id="10" name="Rechteck 9">
-              <a:extLst>
-                <a:ext uri="{FF2B5EF4-FFF2-40B4-BE49-F238E27FC236}">
-                  <a16:creationId xmlns:a16="http://schemas.microsoft.com/office/drawing/2014/main" id="{F250538B-1C1C-278D-ED38-263644D1A189}"/>
-                </a:ext>
-              </a:extLst>
-            </p:cNvPr>
-            <p:cNvSpPr/>
-            <p:nvPr/>
-          </p:nvSpPr>
-          <p:spPr>
-            <a:xfrm>
-              <a:off x="3858567" y="314087"/>
-              <a:ext cx="914399" cy="914399"/>
-            </a:xfrm>
-            <a:prstGeom prst="rect">
-              <a:avLst/>
-            </a:prstGeom>
-            <a:noFill/>
-            <a:ln>
-              <a:solidFill>
-                <a:schemeClr val="tx1"/>
-              </a:solidFill>
-            </a:ln>
-          </p:spPr>
-          <p:style>
-            <a:lnRef idx="2">
-              <a:schemeClr val="accent1">
-                <a:shade val="50000"/>
-              </a:schemeClr>
-            </a:lnRef>
-            <a:fillRef idx="1">
-              <a:schemeClr val="accent1"/>
-            </a:fillRef>
-            <a:effectRef idx="0">
-              <a:schemeClr val="accent1"/>
-            </a:effectRef>
-            <a:fontRef idx="minor">
-              <a:schemeClr val="lt1"/>
-            </a:fontRef>
-          </p:style>
-          <p:txBody>
-            <a:bodyPr wrap="none" rtlCol="0" anchor="ctr"/>
-            <a:lstStyle/>
-            <a:p>
-              <a:pPr algn="ctr"/>
-              <a:r>
-                <a:rPr lang="de-DE" sz="1000" dirty="0">
-                  <a:solidFill>
-                    <a:schemeClr val="tx1"/>
-                  </a:solidFill>
-                  <a:latin typeface="Arial" panose="020B0604020202020204" pitchFamily="34" charset="0"/>
-                  <a:cs typeface="Arial" panose="020B0604020202020204" pitchFamily="34" charset="0"/>
-                </a:rPr>
-                <a:t>INT1</a:t>
-              </a:r>
-            </a:p>
-          </p:txBody>
-        </p:sp>
-        <p:sp>
-          <p:nvSpPr>
-            <p:cNvPr id="11" name="Oval 10">
-              <a:extLst>
-                <a:ext uri="{FF2B5EF4-FFF2-40B4-BE49-F238E27FC236}">
-                  <a16:creationId xmlns:a16="http://schemas.microsoft.com/office/drawing/2014/main" id="{264427D2-DAA9-28A8-5BBD-CA575E1C7DAE}"/>
-                </a:ext>
-              </a:extLst>
-            </p:cNvPr>
-            <p:cNvSpPr/>
-            <p:nvPr/>
-          </p:nvSpPr>
-          <p:spPr>
-            <a:xfrm>
-              <a:off x="7419031" y="314084"/>
-              <a:ext cx="914399" cy="914402"/>
-            </a:xfrm>
-            <a:prstGeom prst="ellipse">
-              <a:avLst/>
-            </a:prstGeom>
-            <a:noFill/>
-            <a:ln>
-              <a:solidFill>
-                <a:schemeClr val="tx1"/>
-              </a:solidFill>
-            </a:ln>
-          </p:spPr>
-          <p:style>
-            <a:lnRef idx="2">
-              <a:schemeClr val="accent1">
-                <a:shade val="50000"/>
-              </a:schemeClr>
-            </a:lnRef>
-            <a:fillRef idx="1">
-              <a:schemeClr val="accent1"/>
-            </a:fillRef>
-            <a:effectRef idx="0">
-              <a:schemeClr val="accent1"/>
-            </a:effectRef>
-            <a:fontRef idx="minor">
-              <a:schemeClr val="lt1"/>
-            </a:fontRef>
-          </p:style>
-          <p:txBody>
-            <a:bodyPr wrap="none" rtlCol="0" anchor="ctr"/>
-            <a:lstStyle/>
-            <a:p>
-              <a:pPr algn="ctr"/>
-              <a:r>
-                <a:rPr lang="de-DE" sz="1000" dirty="0">
-                  <a:solidFill>
-                    <a:schemeClr val="tx1"/>
-                  </a:solidFill>
-                  <a:latin typeface="Arial" panose="020B0604020202020204" pitchFamily="34" charset="0"/>
-                  <a:cs typeface="Arial" panose="020B0604020202020204" pitchFamily="34" charset="0"/>
-                </a:rPr>
-                <a:t>ΔINT</a:t>
-              </a:r>
-            </a:p>
-          </p:txBody>
-        </p:sp>
-        <p:cxnSp>
-          <p:nvCxnSpPr>
-            <p:cNvPr id="12" name="Gerade Verbindung mit Pfeil 11">
-              <a:extLst>
-                <a:ext uri="{FF2B5EF4-FFF2-40B4-BE49-F238E27FC236}">
-                  <a16:creationId xmlns:a16="http://schemas.microsoft.com/office/drawing/2014/main" id="{022B0E7C-F030-2E03-803C-966B66116D4A}"/>
-                </a:ext>
-              </a:extLst>
-            </p:cNvPr>
-            <p:cNvCxnSpPr>
-              <a:cxnSpLocks/>
-              <a:stCxn id="10" idx="3"/>
-              <a:endCxn id="11" idx="2"/>
-            </p:cNvCxnSpPr>
-            <p:nvPr/>
-          </p:nvCxnSpPr>
-          <p:spPr>
-            <a:xfrm>
-              <a:off x="4772966" y="771286"/>
-              <a:ext cx="2646065" cy="0"/>
-            </a:xfrm>
-            <a:prstGeom prst="straightConnector1">
-              <a:avLst/>
-            </a:prstGeom>
-            <a:ln w="12700">
-              <a:solidFill>
-                <a:schemeClr val="tx1"/>
-              </a:solidFill>
-              <a:tailEnd type="triangle"/>
-            </a:ln>
-          </p:spPr>
-          <p:style>
-            <a:lnRef idx="1">
-              <a:schemeClr val="accent1"/>
-            </a:lnRef>
-            <a:fillRef idx="0">
-              <a:schemeClr val="accent1"/>
-            </a:fillRef>
-            <a:effectRef idx="0">
-              <a:schemeClr val="accent1"/>
-            </a:effectRef>
-            <a:fontRef idx="minor">
-              <a:schemeClr val="tx1"/>
-            </a:fontRef>
-          </p:style>
-        </p:cxnSp>
-      </p:grpSp>
-      <p:grpSp>
-        <p:nvGrpSpPr>
-          <p:cNvPr id="13" name="Gruppieren 12">
-            <a:extLst>
-              <a:ext uri="{FF2B5EF4-FFF2-40B4-BE49-F238E27FC236}">
-                <a16:creationId xmlns:a16="http://schemas.microsoft.com/office/drawing/2014/main" id="{8DC9889A-0477-B397-5CC1-5DBE20328BF3}"/>
-              </a:ext>
-            </a:extLst>
-          </p:cNvPr>
-          <p:cNvGrpSpPr>
-            <a:grpSpLocks/>
-          </p:cNvGrpSpPr>
-          <p:nvPr/>
-        </p:nvGrpSpPr>
-        <p:grpSpPr>
-          <a:xfrm>
-            <a:off x="2836830" y="1619992"/>
-            <a:ext cx="2160000" cy="360000"/>
-            <a:chOff x="3858567" y="314084"/>
-            <a:chExt cx="4474863" cy="914402"/>
-          </a:xfrm>
-        </p:grpSpPr>
-        <p:sp>
-          <p:nvSpPr>
-            <p:cNvPr id="14" name="Rechteck 13">
-              <a:extLst>
-                <a:ext uri="{FF2B5EF4-FFF2-40B4-BE49-F238E27FC236}">
-                  <a16:creationId xmlns:a16="http://schemas.microsoft.com/office/drawing/2014/main" id="{C7DBDCF9-D532-2639-7452-9A1018BF4D24}"/>
-                </a:ext>
-              </a:extLst>
-            </p:cNvPr>
-            <p:cNvSpPr/>
-            <p:nvPr/>
-          </p:nvSpPr>
-          <p:spPr>
-            <a:xfrm>
-              <a:off x="3858567" y="314087"/>
-              <a:ext cx="914399" cy="914399"/>
-            </a:xfrm>
-            <a:prstGeom prst="rect">
-              <a:avLst/>
-            </a:prstGeom>
-            <a:noFill/>
-            <a:ln>
-              <a:solidFill>
-                <a:schemeClr val="tx1"/>
-              </a:solidFill>
-            </a:ln>
-          </p:spPr>
-          <p:style>
-            <a:lnRef idx="2">
-              <a:schemeClr val="accent1">
-                <a:shade val="50000"/>
-              </a:schemeClr>
-            </a:lnRef>
-            <a:fillRef idx="1">
-              <a:schemeClr val="accent1"/>
-            </a:fillRef>
-            <a:effectRef idx="0">
-              <a:schemeClr val="accent1"/>
-            </a:effectRef>
-            <a:fontRef idx="minor">
-              <a:schemeClr val="lt1"/>
-            </a:fontRef>
-          </p:style>
-          <p:txBody>
-            <a:bodyPr wrap="none" rtlCol="0" anchor="ctr"/>
-            <a:lstStyle/>
-            <a:p>
-              <a:pPr algn="ctr"/>
-              <a:r>
-                <a:rPr lang="de-DE" sz="1000" dirty="0">
-                  <a:solidFill>
-                    <a:schemeClr val="tx1"/>
-                  </a:solidFill>
-                  <a:latin typeface="Arial" panose="020B0604020202020204" pitchFamily="34" charset="0"/>
-                  <a:cs typeface="Arial" panose="020B0604020202020204" pitchFamily="34" charset="0"/>
-                </a:rPr>
-                <a:t>HFS1</a:t>
-              </a:r>
-            </a:p>
-          </p:txBody>
-        </p:sp>
-        <p:sp>
-          <p:nvSpPr>
-            <p:cNvPr id="15" name="Oval 14">
-              <a:extLst>
-                <a:ext uri="{FF2B5EF4-FFF2-40B4-BE49-F238E27FC236}">
-                  <a16:creationId xmlns:a16="http://schemas.microsoft.com/office/drawing/2014/main" id="{9EFC38E6-AB82-6AFC-2BD7-1F5EACE29505}"/>
-                </a:ext>
-              </a:extLst>
-            </p:cNvPr>
-            <p:cNvSpPr/>
-            <p:nvPr/>
-          </p:nvSpPr>
-          <p:spPr>
-            <a:xfrm>
-              <a:off x="7419031" y="314084"/>
-              <a:ext cx="914399" cy="914402"/>
-            </a:xfrm>
-            <a:prstGeom prst="ellipse">
-              <a:avLst/>
-            </a:prstGeom>
-            <a:noFill/>
-            <a:ln>
-              <a:solidFill>
-                <a:schemeClr val="tx1"/>
-              </a:solidFill>
-            </a:ln>
-          </p:spPr>
-          <p:style>
-            <a:lnRef idx="2">
-              <a:schemeClr val="accent1">
-                <a:shade val="50000"/>
-              </a:schemeClr>
-            </a:lnRef>
-            <a:fillRef idx="1">
-              <a:schemeClr val="accent1"/>
-            </a:fillRef>
-            <a:effectRef idx="0">
-              <a:schemeClr val="accent1"/>
-            </a:effectRef>
-            <a:fontRef idx="minor">
-              <a:schemeClr val="lt1"/>
-            </a:fontRef>
-          </p:style>
-          <p:txBody>
-            <a:bodyPr wrap="none" rtlCol="0" anchor="ctr"/>
-            <a:lstStyle/>
-            <a:p>
-              <a:pPr algn="ctr"/>
-              <a:r>
-                <a:rPr lang="de-DE" sz="1000" dirty="0">
-                  <a:solidFill>
-                    <a:schemeClr val="tx1"/>
-                  </a:solidFill>
-                  <a:latin typeface="Arial" panose="020B0604020202020204" pitchFamily="34" charset="0"/>
-                  <a:cs typeface="Arial" panose="020B0604020202020204" pitchFamily="34" charset="0"/>
-                </a:rPr>
-                <a:t>ΔHFS</a:t>
-              </a:r>
-            </a:p>
-          </p:txBody>
-        </p:sp>
-        <p:cxnSp>
-          <p:nvCxnSpPr>
-            <p:cNvPr id="16" name="Gerade Verbindung mit Pfeil 15">
-              <a:extLst>
-                <a:ext uri="{FF2B5EF4-FFF2-40B4-BE49-F238E27FC236}">
-                  <a16:creationId xmlns:a16="http://schemas.microsoft.com/office/drawing/2014/main" id="{242AEF16-6641-5D43-5275-50AA6EE0324F}"/>
-                </a:ext>
-              </a:extLst>
-            </p:cNvPr>
-            <p:cNvCxnSpPr>
-              <a:cxnSpLocks/>
-              <a:stCxn id="14" idx="3"/>
-              <a:endCxn id="15" idx="2"/>
-            </p:cNvCxnSpPr>
-            <p:nvPr/>
-          </p:nvCxnSpPr>
-          <p:spPr>
-            <a:xfrm>
-              <a:off x="4772966" y="771286"/>
-              <a:ext cx="2646065" cy="0"/>
-            </a:xfrm>
-            <a:prstGeom prst="straightConnector1">
-              <a:avLst/>
-            </a:prstGeom>
-            <a:ln w="12700">
-              <a:solidFill>
-                <a:schemeClr val="tx1"/>
-              </a:solidFill>
-              <a:tailEnd type="triangle"/>
-            </a:ln>
-          </p:spPr>
-          <p:style>
-            <a:lnRef idx="1">
-              <a:schemeClr val="accent1"/>
-            </a:lnRef>
-            <a:fillRef idx="0">
-              <a:schemeClr val="accent1"/>
-            </a:fillRef>
-            <a:effectRef idx="0">
-              <a:schemeClr val="accent1"/>
-            </a:effectRef>
-            <a:fontRef idx="minor">
-              <a:schemeClr val="tx1"/>
-            </a:fontRef>
-          </p:style>
-        </p:cxnSp>
-      </p:grpSp>
-      <p:grpSp>
-        <p:nvGrpSpPr>
-          <p:cNvPr id="17" name="Gruppieren 16">
-            <a:extLst>
-              <a:ext uri="{FF2B5EF4-FFF2-40B4-BE49-F238E27FC236}">
-                <a16:creationId xmlns:a16="http://schemas.microsoft.com/office/drawing/2014/main" id="{185B613A-DA1A-E360-4D29-B4F740A363C1}"/>
-              </a:ext>
-            </a:extLst>
-          </p:cNvPr>
-          <p:cNvGrpSpPr>
-            <a:grpSpLocks/>
-          </p:cNvGrpSpPr>
-          <p:nvPr/>
-        </p:nvGrpSpPr>
-        <p:grpSpPr>
-          <a:xfrm>
-            <a:off x="2836830" y="2159991"/>
-            <a:ext cx="2160000" cy="360000"/>
-            <a:chOff x="3858567" y="314084"/>
-            <a:chExt cx="4474863" cy="914402"/>
-          </a:xfrm>
-        </p:grpSpPr>
-        <p:sp>
-          <p:nvSpPr>
-            <p:cNvPr id="18" name="Rechteck 17">
-              <a:extLst>
-                <a:ext uri="{FF2B5EF4-FFF2-40B4-BE49-F238E27FC236}">
-                  <a16:creationId xmlns:a16="http://schemas.microsoft.com/office/drawing/2014/main" id="{AA08E3C7-EDEF-0F22-1A05-74ADC9393481}"/>
-                </a:ext>
-              </a:extLst>
-            </p:cNvPr>
-            <p:cNvSpPr/>
-            <p:nvPr/>
-          </p:nvSpPr>
-          <p:spPr>
-            <a:xfrm>
-              <a:off x="3858567" y="314087"/>
-              <a:ext cx="914399" cy="914399"/>
-            </a:xfrm>
-            <a:prstGeom prst="rect">
-              <a:avLst/>
-            </a:prstGeom>
-            <a:noFill/>
-            <a:ln>
-              <a:solidFill>
-                <a:schemeClr val="tx1"/>
-              </a:solidFill>
-            </a:ln>
-          </p:spPr>
-          <p:style>
-            <a:lnRef idx="2">
-              <a:schemeClr val="accent1">
-                <a:shade val="50000"/>
-              </a:schemeClr>
-            </a:lnRef>
-            <a:fillRef idx="1">
-              <a:schemeClr val="accent1"/>
-            </a:fillRef>
-            <a:effectRef idx="0">
-              <a:schemeClr val="accent1"/>
-            </a:effectRef>
-            <a:fontRef idx="minor">
-              <a:schemeClr val="lt1"/>
-            </a:fontRef>
-          </p:style>
-          <p:txBody>
-            <a:bodyPr wrap="none" rtlCol="0" anchor="ctr"/>
-            <a:lstStyle/>
-            <a:p>
-              <a:pPr algn="ctr"/>
-              <a:r>
-                <a:rPr lang="de-DE" sz="1000" dirty="0">
-                  <a:solidFill>
-                    <a:schemeClr val="tx1"/>
-                  </a:solidFill>
-                  <a:latin typeface="Arial" panose="020B0604020202020204" pitchFamily="34" charset="0"/>
-                  <a:cs typeface="Arial" panose="020B0604020202020204" pitchFamily="34" charset="0"/>
-                </a:rPr>
-                <a:t>FOF1</a:t>
-              </a:r>
-            </a:p>
-          </p:txBody>
-        </p:sp>
-        <p:sp>
-          <p:nvSpPr>
-            <p:cNvPr id="19" name="Oval 18">
-              <a:extLst>
-                <a:ext uri="{FF2B5EF4-FFF2-40B4-BE49-F238E27FC236}">
-                  <a16:creationId xmlns:a16="http://schemas.microsoft.com/office/drawing/2014/main" id="{A3547185-CD23-900F-4122-DBE06594BCAA}"/>
-                </a:ext>
-              </a:extLst>
-            </p:cNvPr>
-            <p:cNvSpPr/>
-            <p:nvPr/>
-          </p:nvSpPr>
-          <p:spPr>
-            <a:xfrm>
-              <a:off x="7419031" y="314084"/>
-              <a:ext cx="914399" cy="914402"/>
-            </a:xfrm>
-            <a:prstGeom prst="ellipse">
-              <a:avLst/>
-            </a:prstGeom>
-            <a:noFill/>
-            <a:ln>
-              <a:solidFill>
-                <a:schemeClr val="tx1"/>
-              </a:solidFill>
-            </a:ln>
-          </p:spPr>
-          <p:style>
-            <a:lnRef idx="2">
-              <a:schemeClr val="accent1">
-                <a:shade val="50000"/>
-              </a:schemeClr>
-            </a:lnRef>
-            <a:fillRef idx="1">
-              <a:schemeClr val="accent1"/>
-            </a:fillRef>
-            <a:effectRef idx="0">
-              <a:schemeClr val="accent1"/>
-            </a:effectRef>
-            <a:fontRef idx="minor">
-              <a:schemeClr val="lt1"/>
-            </a:fontRef>
-          </p:style>
-          <p:txBody>
-            <a:bodyPr wrap="none" rtlCol="0" anchor="ctr"/>
-            <a:lstStyle/>
-            <a:p>
-              <a:pPr algn="ctr"/>
-              <a:r>
-                <a:rPr lang="de-DE" sz="1000" dirty="0">
-                  <a:solidFill>
-                    <a:schemeClr val="tx1"/>
-                  </a:solidFill>
-                  <a:latin typeface="Arial" panose="020B0604020202020204" pitchFamily="34" charset="0"/>
-                  <a:cs typeface="Arial" panose="020B0604020202020204" pitchFamily="34" charset="0"/>
-                </a:rPr>
-                <a:t>ΔFOF</a:t>
-              </a:r>
-            </a:p>
-          </p:txBody>
-        </p:sp>
-        <p:cxnSp>
-          <p:nvCxnSpPr>
-            <p:cNvPr id="20" name="Gerade Verbindung mit Pfeil 19">
-              <a:extLst>
-                <a:ext uri="{FF2B5EF4-FFF2-40B4-BE49-F238E27FC236}">
-                  <a16:creationId xmlns:a16="http://schemas.microsoft.com/office/drawing/2014/main" id="{048447E0-92C6-2944-165D-B6A935D63EF6}"/>
-                </a:ext>
-              </a:extLst>
-            </p:cNvPr>
-            <p:cNvCxnSpPr>
-              <a:cxnSpLocks/>
-              <a:stCxn id="18" idx="3"/>
-              <a:endCxn id="19" idx="2"/>
-            </p:cNvCxnSpPr>
-            <p:nvPr/>
-          </p:nvCxnSpPr>
-          <p:spPr>
-            <a:xfrm>
-              <a:off x="4772966" y="771286"/>
-              <a:ext cx="2646065" cy="0"/>
-            </a:xfrm>
-            <a:prstGeom prst="straightConnector1">
-              <a:avLst/>
-            </a:prstGeom>
-            <a:ln w="12700">
-              <a:solidFill>
-                <a:schemeClr val="tx1"/>
-              </a:solidFill>
-              <a:tailEnd type="triangle"/>
-            </a:ln>
-          </p:spPr>
-          <p:style>
-            <a:lnRef idx="1">
-              <a:schemeClr val="accent1"/>
-            </a:lnRef>
-            <a:fillRef idx="0">
-              <a:schemeClr val="accent1"/>
-            </a:fillRef>
-            <a:effectRef idx="0">
-              <a:schemeClr val="accent1"/>
-            </a:effectRef>
-            <a:fontRef idx="minor">
-              <a:schemeClr val="tx1"/>
-            </a:fontRef>
-          </p:style>
-        </p:cxnSp>
-      </p:grpSp>
-      <p:grpSp>
-        <p:nvGrpSpPr>
-          <p:cNvPr id="21" name="Gruppieren 20">
-            <a:extLst>
-              <a:ext uri="{FF2B5EF4-FFF2-40B4-BE49-F238E27FC236}">
-                <a16:creationId xmlns:a16="http://schemas.microsoft.com/office/drawing/2014/main" id="{426BFE2A-49A6-3828-45B6-A3C43CE4D739}"/>
-              </a:ext>
-            </a:extLst>
-          </p:cNvPr>
-          <p:cNvGrpSpPr>
-            <a:grpSpLocks/>
-          </p:cNvGrpSpPr>
-          <p:nvPr/>
-        </p:nvGrpSpPr>
-        <p:grpSpPr>
-          <a:xfrm>
-            <a:off x="2836830" y="2699989"/>
-            <a:ext cx="2160000" cy="360000"/>
-            <a:chOff x="3858567" y="314084"/>
-            <a:chExt cx="4474863" cy="914402"/>
-          </a:xfrm>
-        </p:grpSpPr>
-        <p:sp>
-          <p:nvSpPr>
-            <p:cNvPr id="22" name="Rechteck 21">
-              <a:extLst>
-                <a:ext uri="{FF2B5EF4-FFF2-40B4-BE49-F238E27FC236}">
-                  <a16:creationId xmlns:a16="http://schemas.microsoft.com/office/drawing/2014/main" id="{56319E77-2D41-E436-87CC-8B383F5E189D}"/>
-                </a:ext>
-              </a:extLst>
-            </p:cNvPr>
-            <p:cNvSpPr/>
-            <p:nvPr/>
-          </p:nvSpPr>
-          <p:spPr>
-            <a:xfrm>
-              <a:off x="3858567" y="314087"/>
-              <a:ext cx="914399" cy="914399"/>
-            </a:xfrm>
-            <a:prstGeom prst="rect">
-              <a:avLst/>
-            </a:prstGeom>
-            <a:noFill/>
-            <a:ln>
-              <a:solidFill>
-                <a:schemeClr val="tx1"/>
-              </a:solidFill>
-            </a:ln>
-          </p:spPr>
-          <p:style>
-            <a:lnRef idx="2">
-              <a:schemeClr val="accent1">
-                <a:shade val="50000"/>
-              </a:schemeClr>
-            </a:lnRef>
-            <a:fillRef idx="1">
-              <a:schemeClr val="accent1"/>
-            </a:fillRef>
-            <a:effectRef idx="0">
-              <a:schemeClr val="accent1"/>
-            </a:effectRef>
-            <a:fontRef idx="minor">
-              <a:schemeClr val="lt1"/>
-            </a:fontRef>
-          </p:style>
-          <p:txBody>
-            <a:bodyPr wrap="none" rtlCol="0" anchor="ctr"/>
-            <a:lstStyle/>
-            <a:p>
-              <a:pPr algn="ctr"/>
-              <a:r>
-                <a:rPr lang="de-DE" sz="1000" dirty="0">
-                  <a:solidFill>
-                    <a:schemeClr val="tx1"/>
-                  </a:solidFill>
-                  <a:latin typeface="Arial" panose="020B0604020202020204" pitchFamily="34" charset="0"/>
-                  <a:cs typeface="Arial" panose="020B0604020202020204" pitchFamily="34" charset="0"/>
-                </a:rPr>
-                <a:t>NFC1</a:t>
-              </a:r>
-            </a:p>
-          </p:txBody>
-        </p:sp>
-        <p:sp>
-          <p:nvSpPr>
-            <p:cNvPr id="30" name="Oval 29">
-              <a:extLst>
-                <a:ext uri="{FF2B5EF4-FFF2-40B4-BE49-F238E27FC236}">
-                  <a16:creationId xmlns:a16="http://schemas.microsoft.com/office/drawing/2014/main" id="{1A26C170-7820-7861-01AB-947A88604B16}"/>
-                </a:ext>
-              </a:extLst>
-            </p:cNvPr>
-            <p:cNvSpPr/>
-            <p:nvPr/>
-          </p:nvSpPr>
-          <p:spPr>
-            <a:xfrm>
-              <a:off x="7419031" y="314084"/>
-              <a:ext cx="914399" cy="914402"/>
-            </a:xfrm>
-            <a:prstGeom prst="ellipse">
-              <a:avLst/>
-            </a:prstGeom>
-            <a:noFill/>
-            <a:ln>
-              <a:solidFill>
-                <a:schemeClr val="tx1"/>
-              </a:solidFill>
-            </a:ln>
-          </p:spPr>
-          <p:style>
-            <a:lnRef idx="2">
-              <a:schemeClr val="accent1">
-                <a:shade val="50000"/>
-              </a:schemeClr>
-            </a:lnRef>
-            <a:fillRef idx="1">
-              <a:schemeClr val="accent1"/>
-            </a:fillRef>
-            <a:effectRef idx="0">
-              <a:schemeClr val="accent1"/>
-            </a:effectRef>
-            <a:fontRef idx="minor">
-              <a:schemeClr val="lt1"/>
-            </a:fontRef>
-          </p:style>
-          <p:txBody>
-            <a:bodyPr wrap="none" rtlCol="0" anchor="ctr"/>
-            <a:lstStyle/>
-            <a:p>
-              <a:pPr algn="ctr"/>
-              <a:r>
-                <a:rPr lang="de-DE" sz="1000" dirty="0">
-                  <a:solidFill>
-                    <a:schemeClr val="tx1"/>
-                  </a:solidFill>
-                  <a:latin typeface="Arial" panose="020B0604020202020204" pitchFamily="34" charset="0"/>
-                  <a:cs typeface="Arial" panose="020B0604020202020204" pitchFamily="34" charset="0"/>
-                </a:rPr>
-                <a:t>ΔNFC</a:t>
-              </a:r>
-            </a:p>
-          </p:txBody>
-        </p:sp>
-        <p:cxnSp>
-          <p:nvCxnSpPr>
-            <p:cNvPr id="31" name="Gerade Verbindung mit Pfeil 30">
-              <a:extLst>
-                <a:ext uri="{FF2B5EF4-FFF2-40B4-BE49-F238E27FC236}">
-                  <a16:creationId xmlns:a16="http://schemas.microsoft.com/office/drawing/2014/main" id="{49A21061-2EF8-6B91-9121-D9C00F1189B1}"/>
-                </a:ext>
-              </a:extLst>
-            </p:cNvPr>
-            <p:cNvCxnSpPr>
-              <a:cxnSpLocks/>
-              <a:stCxn id="22" idx="3"/>
-              <a:endCxn id="30" idx="2"/>
-            </p:cNvCxnSpPr>
-            <p:nvPr/>
-          </p:nvCxnSpPr>
-          <p:spPr>
-            <a:xfrm>
-              <a:off x="4772966" y="771286"/>
-              <a:ext cx="2646065" cy="0"/>
-            </a:xfrm>
-            <a:prstGeom prst="straightConnector1">
-              <a:avLst/>
-            </a:prstGeom>
-            <a:ln w="12700">
-              <a:solidFill>
-                <a:schemeClr val="tx1"/>
-              </a:solidFill>
-              <a:tailEnd type="triangle"/>
-            </a:ln>
-          </p:spPr>
-          <p:style>
-            <a:lnRef idx="1">
-              <a:schemeClr val="accent1"/>
-            </a:lnRef>
-            <a:fillRef idx="0">
-              <a:schemeClr val="accent1"/>
-            </a:fillRef>
-            <a:effectRef idx="0">
-              <a:schemeClr val="accent1"/>
-            </a:effectRef>
-            <a:fontRef idx="minor">
-              <a:schemeClr val="tx1"/>
-            </a:fontRef>
-          </p:style>
-        </p:cxnSp>
-      </p:grpSp>
-      <p:cxnSp>
-        <p:nvCxnSpPr>
-          <p:cNvPr id="32" name="Gerade Verbindung mit Pfeil 31">
-            <a:extLst>
-              <a:ext uri="{FF2B5EF4-FFF2-40B4-BE49-F238E27FC236}">
-                <a16:creationId xmlns:a16="http://schemas.microsoft.com/office/drawing/2014/main" id="{C6D5694A-2406-AE2D-E5F9-CD7A1A349C29}"/>
-              </a:ext>
-            </a:extLst>
-          </p:cNvPr>
-          <p:cNvCxnSpPr>
-            <a:cxnSpLocks/>
-            <a:stCxn id="22" idx="3"/>
-            <a:endCxn id="58" idx="3"/>
-          </p:cNvCxnSpPr>
-          <p:nvPr/>
-        </p:nvCxnSpPr>
-        <p:spPr>
-          <a:xfrm flipV="1">
-            <a:off x="3278207" y="307277"/>
-            <a:ext cx="1341884" cy="2572713"/>
-          </a:xfrm>
-          <a:prstGeom prst="straightConnector1">
-            <a:avLst/>
-          </a:prstGeom>
-          <a:ln w="12700">
-            <a:solidFill>
-              <a:schemeClr val="tx1"/>
-            </a:solidFill>
-            <a:tailEnd type="triangle"/>
-          </a:ln>
-        </p:spPr>
-        <p:style>
-          <a:lnRef idx="1">
-            <a:schemeClr val="accent1"/>
-          </a:lnRef>
-          <a:fillRef idx="0">
-            <a:schemeClr val="accent1"/>
-          </a:fillRef>
-          <a:effectRef idx="0">
-            <a:schemeClr val="accent1"/>
-          </a:effectRef>
-          <a:fontRef idx="minor">
-            <a:schemeClr val="tx1"/>
-          </a:fontRef>
-        </p:style>
-      </p:cxnSp>
-      <p:cxnSp>
-        <p:nvCxnSpPr>
-          <p:cNvPr id="35" name="Gerade Verbindung mit Pfeil 34">
-            <a:extLst>
-              <a:ext uri="{FF2B5EF4-FFF2-40B4-BE49-F238E27FC236}">
-                <a16:creationId xmlns:a16="http://schemas.microsoft.com/office/drawing/2014/main" id="{5166D1CA-4C46-891B-18BF-ED8EB80429D8}"/>
-              </a:ext>
-            </a:extLst>
-          </p:cNvPr>
-          <p:cNvCxnSpPr>
-            <a:cxnSpLocks/>
-            <a:stCxn id="6" idx="3"/>
-            <a:endCxn id="58" idx="3"/>
-          </p:cNvCxnSpPr>
-          <p:nvPr/>
-        </p:nvCxnSpPr>
-        <p:spPr>
-          <a:xfrm flipV="1">
-            <a:off x="3278207" y="307277"/>
-            <a:ext cx="1341884" cy="412721"/>
-          </a:xfrm>
-          <a:prstGeom prst="straightConnector1">
-            <a:avLst/>
-          </a:prstGeom>
-          <a:ln w="12700">
-            <a:solidFill>
-              <a:schemeClr val="tx1"/>
-            </a:solidFill>
-            <a:tailEnd type="triangle"/>
-          </a:ln>
-        </p:spPr>
-        <p:style>
-          <a:lnRef idx="1">
-            <a:schemeClr val="accent1"/>
-          </a:lnRef>
-          <a:fillRef idx="0">
-            <a:schemeClr val="accent1"/>
-          </a:fillRef>
-          <a:effectRef idx="0">
-            <a:schemeClr val="accent1"/>
-          </a:effectRef>
-          <a:fontRef idx="minor">
-            <a:schemeClr val="tx1"/>
-          </a:fontRef>
-        </p:style>
-      </p:cxnSp>
-      <p:cxnSp>
-        <p:nvCxnSpPr>
-          <p:cNvPr id="38" name="Gerade Verbindung mit Pfeil 37">
-            <a:extLst>
-              <a:ext uri="{FF2B5EF4-FFF2-40B4-BE49-F238E27FC236}">
-                <a16:creationId xmlns:a16="http://schemas.microsoft.com/office/drawing/2014/main" id="{F5162E87-B5BA-CE6A-1D5F-B41D64D412FA}"/>
-              </a:ext>
-            </a:extLst>
-          </p:cNvPr>
-          <p:cNvCxnSpPr>
-            <a:cxnSpLocks/>
-            <a:stCxn id="22" idx="3"/>
-            <a:endCxn id="7" idx="3"/>
-          </p:cNvCxnSpPr>
-          <p:nvPr/>
-        </p:nvCxnSpPr>
-        <p:spPr>
-          <a:xfrm flipV="1">
-            <a:off x="3278207" y="847276"/>
-            <a:ext cx="1341884" cy="2032714"/>
-          </a:xfrm>
-          <a:prstGeom prst="straightConnector1">
-            <a:avLst/>
-          </a:prstGeom>
-          <a:ln w="12700">
-            <a:solidFill>
-              <a:schemeClr val="tx1"/>
-            </a:solidFill>
-            <a:tailEnd type="triangle"/>
-          </a:ln>
-        </p:spPr>
-        <p:style>
-          <a:lnRef idx="1">
-            <a:schemeClr val="accent1"/>
-          </a:lnRef>
-          <a:fillRef idx="0">
-            <a:schemeClr val="accent1"/>
-          </a:fillRef>
-          <a:effectRef idx="0">
-            <a:schemeClr val="accent1"/>
-          </a:effectRef>
-          <a:fontRef idx="minor">
-            <a:schemeClr val="tx1"/>
-          </a:fontRef>
-        </p:style>
-      </p:cxnSp>
-      <p:cxnSp>
-        <p:nvCxnSpPr>
-          <p:cNvPr id="41" name="Gerade Verbindung mit Pfeil 40">
-            <a:extLst>
-              <a:ext uri="{FF2B5EF4-FFF2-40B4-BE49-F238E27FC236}">
-                <a16:creationId xmlns:a16="http://schemas.microsoft.com/office/drawing/2014/main" id="{12E60EE8-73B1-C7E2-12D8-594813381FA9}"/>
-              </a:ext>
-            </a:extLst>
-          </p:cNvPr>
-          <p:cNvCxnSpPr>
-            <a:cxnSpLocks/>
-            <a:stCxn id="22" idx="3"/>
-            <a:endCxn id="15" idx="3"/>
-          </p:cNvCxnSpPr>
-          <p:nvPr/>
-        </p:nvCxnSpPr>
-        <p:spPr>
-          <a:xfrm flipV="1">
-            <a:off x="3278207" y="1927271"/>
-            <a:ext cx="1341884" cy="952719"/>
-          </a:xfrm>
-          <a:prstGeom prst="straightConnector1">
-            <a:avLst/>
-          </a:prstGeom>
-          <a:ln w="12700">
-            <a:solidFill>
-              <a:schemeClr val="tx1"/>
-            </a:solidFill>
-            <a:tailEnd type="triangle"/>
-          </a:ln>
-        </p:spPr>
-        <p:style>
-          <a:lnRef idx="1">
-            <a:schemeClr val="accent1"/>
-          </a:lnRef>
-          <a:fillRef idx="0">
-            <a:schemeClr val="accent1"/>
-          </a:fillRef>
-          <a:effectRef idx="0">
-            <a:schemeClr val="accent1"/>
-          </a:effectRef>
-          <a:fontRef idx="minor">
-            <a:schemeClr val="tx1"/>
-          </a:fontRef>
-        </p:style>
-      </p:cxnSp>
-      <p:cxnSp>
-        <p:nvCxnSpPr>
-          <p:cNvPr id="44" name="Gerade Verbindung mit Pfeil 43">
-            <a:extLst>
-              <a:ext uri="{FF2B5EF4-FFF2-40B4-BE49-F238E27FC236}">
-                <a16:creationId xmlns:a16="http://schemas.microsoft.com/office/drawing/2014/main" id="{26C1D2ED-0B2A-F535-C39A-496F2DB42B1B}"/>
-              </a:ext>
-            </a:extLst>
-          </p:cNvPr>
-          <p:cNvCxnSpPr>
-            <a:cxnSpLocks/>
-            <a:stCxn id="57" idx="3"/>
-            <a:endCxn id="30" idx="1"/>
-          </p:cNvCxnSpPr>
-          <p:nvPr/>
-        </p:nvCxnSpPr>
-        <p:spPr>
-          <a:xfrm>
-            <a:off x="3278207" y="179999"/>
-            <a:ext cx="1341884" cy="2572711"/>
-          </a:xfrm>
-          <a:prstGeom prst="straightConnector1">
-            <a:avLst/>
-          </a:prstGeom>
-          <a:ln w="12700">
-            <a:solidFill>
-              <a:schemeClr val="tx1"/>
-            </a:solidFill>
-            <a:tailEnd type="triangle"/>
-          </a:ln>
-        </p:spPr>
-        <p:style>
-          <a:lnRef idx="1">
-            <a:schemeClr val="accent1"/>
-          </a:lnRef>
-          <a:fillRef idx="0">
-            <a:schemeClr val="accent1"/>
-          </a:fillRef>
-          <a:effectRef idx="0">
-            <a:schemeClr val="accent1"/>
-          </a:effectRef>
-          <a:fontRef idx="minor">
-            <a:schemeClr val="tx1"/>
-          </a:fontRef>
-        </p:style>
-      </p:cxnSp>
-      <p:cxnSp>
-        <p:nvCxnSpPr>
-          <p:cNvPr id="47" name="Gerade Verbindung mit Pfeil 46">
-            <a:extLst>
-              <a:ext uri="{FF2B5EF4-FFF2-40B4-BE49-F238E27FC236}">
-                <a16:creationId xmlns:a16="http://schemas.microsoft.com/office/drawing/2014/main" id="{7307AD2A-C744-BEE2-79CA-DE35E0B949A5}"/>
-              </a:ext>
-            </a:extLst>
-          </p:cNvPr>
-          <p:cNvCxnSpPr>
-            <a:cxnSpLocks/>
-            <a:stCxn id="6" idx="3"/>
-            <a:endCxn id="30" idx="1"/>
-          </p:cNvCxnSpPr>
-          <p:nvPr/>
-        </p:nvCxnSpPr>
-        <p:spPr>
-          <a:xfrm>
-            <a:off x="3278207" y="719998"/>
-            <a:ext cx="1341884" cy="2032712"/>
-          </a:xfrm>
-          <a:prstGeom prst="straightConnector1">
-            <a:avLst/>
-          </a:prstGeom>
-          <a:ln w="12700">
-            <a:solidFill>
-              <a:schemeClr val="tx1"/>
-            </a:solidFill>
-            <a:tailEnd type="triangle"/>
-          </a:ln>
-        </p:spPr>
-        <p:style>
-          <a:lnRef idx="1">
-            <a:schemeClr val="accent1"/>
-          </a:lnRef>
-          <a:fillRef idx="0">
-            <a:schemeClr val="accent1"/>
-          </a:fillRef>
-          <a:effectRef idx="0">
-            <a:schemeClr val="accent1"/>
-          </a:effectRef>
-          <a:fontRef idx="minor">
-            <a:schemeClr val="tx1"/>
-          </a:fontRef>
-        </p:style>
-      </p:cxnSp>
-    </p:spTree>
-    <p:extLst>
-      <p:ext uri="{BB962C8B-B14F-4D97-AF65-F5344CB8AC3E}">
-        <p14:creationId xmlns:p14="http://schemas.microsoft.com/office/powerpoint/2010/main" val="482287269"/>
-      </p:ext>
-    </p:extLst>
-  </p:cSld>
-  <p:clrMapOvr>
-    <a:masterClrMapping/>
-  </p:clrMapOvr>
-</p:sld>
-</file>
-
 <file path=ppt/theme/theme1.xml><?xml version="1.0" encoding="utf-8"?>
 <a:theme xmlns:a="http://schemas.openxmlformats.org/drawingml/2006/main" name="Office">
   <a:themeElements>
